--- a/Argumentation framework.pptx
+++ b/Argumentation framework.pptx
@@ -8,17 +8,17 @@
     <p:sldId id="256" r:id="rId2"/>
     <p:sldId id="257" r:id="rId3"/>
     <p:sldId id="258" r:id="rId4"/>
-    <p:sldId id="270" r:id="rId5"/>
-    <p:sldId id="272" r:id="rId6"/>
-    <p:sldId id="279" r:id="rId7"/>
-    <p:sldId id="280" r:id="rId8"/>
-    <p:sldId id="281" r:id="rId9"/>
+    <p:sldId id="272" r:id="rId5"/>
+    <p:sldId id="279" r:id="rId6"/>
+    <p:sldId id="280" r:id="rId7"/>
+    <p:sldId id="298" r:id="rId8"/>
+    <p:sldId id="296" r:id="rId9"/>
     <p:sldId id="282" r:id="rId10"/>
     <p:sldId id="283" r:id="rId11"/>
     <p:sldId id="284" r:id="rId12"/>
     <p:sldId id="285" r:id="rId13"/>
-    <p:sldId id="287" r:id="rId14"/>
-    <p:sldId id="286" r:id="rId15"/>
+    <p:sldId id="297" r:id="rId14"/>
+    <p:sldId id="287" r:id="rId15"/>
     <p:sldId id="290" r:id="rId16"/>
     <p:sldId id="289" r:id="rId17"/>
     <p:sldId id="291" r:id="rId18"/>
@@ -5496,7 +5496,7 @@
           <a:p>
             <a:fld id="{BFD4D1DD-F3DA-4DDC-9B88-FD299EA8A50B}" type="datetimeFigureOut">
               <a:rPr lang="en-US" smtClean="0"/>
-              <a:t>02-Jul-23</a:t>
+              <a:t>03-Jul-23</a:t>
             </a:fld>
             <a:endParaRPr lang="en-US"/>
           </a:p>
@@ -5694,7 +5694,7 @@
           <a:p>
             <a:fld id="{BFD4D1DD-F3DA-4DDC-9B88-FD299EA8A50B}" type="datetimeFigureOut">
               <a:rPr lang="en-US" smtClean="0"/>
-              <a:t>02-Jul-23</a:t>
+              <a:t>03-Jul-23</a:t>
             </a:fld>
             <a:endParaRPr lang="en-US"/>
           </a:p>
@@ -5902,7 +5902,7 @@
           <a:p>
             <a:fld id="{BFD4D1DD-F3DA-4DDC-9B88-FD299EA8A50B}" type="datetimeFigureOut">
               <a:rPr lang="en-US" smtClean="0"/>
-              <a:t>02-Jul-23</a:t>
+              <a:t>03-Jul-23</a:t>
             </a:fld>
             <a:endParaRPr lang="en-US"/>
           </a:p>
@@ -6100,7 +6100,7 @@
           <a:p>
             <a:fld id="{BFD4D1DD-F3DA-4DDC-9B88-FD299EA8A50B}" type="datetimeFigureOut">
               <a:rPr lang="en-US" smtClean="0"/>
-              <a:t>02-Jul-23</a:t>
+              <a:t>03-Jul-23</a:t>
             </a:fld>
             <a:endParaRPr lang="en-US"/>
           </a:p>
@@ -6375,7 +6375,7 @@
           <a:p>
             <a:fld id="{BFD4D1DD-F3DA-4DDC-9B88-FD299EA8A50B}" type="datetimeFigureOut">
               <a:rPr lang="en-US" smtClean="0"/>
-              <a:t>02-Jul-23</a:t>
+              <a:t>03-Jul-23</a:t>
             </a:fld>
             <a:endParaRPr lang="en-US"/>
           </a:p>
@@ -6640,7 +6640,7 @@
           <a:p>
             <a:fld id="{BFD4D1DD-F3DA-4DDC-9B88-FD299EA8A50B}" type="datetimeFigureOut">
               <a:rPr lang="en-US" smtClean="0"/>
-              <a:t>02-Jul-23</a:t>
+              <a:t>03-Jul-23</a:t>
             </a:fld>
             <a:endParaRPr lang="en-US"/>
           </a:p>
@@ -7052,7 +7052,7 @@
           <a:p>
             <a:fld id="{BFD4D1DD-F3DA-4DDC-9B88-FD299EA8A50B}" type="datetimeFigureOut">
               <a:rPr lang="en-US" smtClean="0"/>
-              <a:t>02-Jul-23</a:t>
+              <a:t>03-Jul-23</a:t>
             </a:fld>
             <a:endParaRPr lang="en-US"/>
           </a:p>
@@ -7193,7 +7193,7 @@
           <a:p>
             <a:fld id="{BFD4D1DD-F3DA-4DDC-9B88-FD299EA8A50B}" type="datetimeFigureOut">
               <a:rPr lang="en-US" smtClean="0"/>
-              <a:t>02-Jul-23</a:t>
+              <a:t>03-Jul-23</a:t>
             </a:fld>
             <a:endParaRPr lang="en-US"/>
           </a:p>
@@ -7306,7 +7306,7 @@
           <a:p>
             <a:fld id="{BFD4D1DD-F3DA-4DDC-9B88-FD299EA8A50B}" type="datetimeFigureOut">
               <a:rPr lang="en-US" smtClean="0"/>
-              <a:t>02-Jul-23</a:t>
+              <a:t>03-Jul-23</a:t>
             </a:fld>
             <a:endParaRPr lang="en-US"/>
           </a:p>
@@ -7617,7 +7617,7 @@
           <a:p>
             <a:fld id="{BFD4D1DD-F3DA-4DDC-9B88-FD299EA8A50B}" type="datetimeFigureOut">
               <a:rPr lang="en-US" smtClean="0"/>
-              <a:t>02-Jul-23</a:t>
+              <a:t>03-Jul-23</a:t>
             </a:fld>
             <a:endParaRPr lang="en-US"/>
           </a:p>
@@ -7905,7 +7905,7 @@
           <a:p>
             <a:fld id="{BFD4D1DD-F3DA-4DDC-9B88-FD299EA8A50B}" type="datetimeFigureOut">
               <a:rPr lang="en-US" smtClean="0"/>
-              <a:t>02-Jul-23</a:t>
+              <a:t>03-Jul-23</a:t>
             </a:fld>
             <a:endParaRPr lang="en-US"/>
           </a:p>
@@ -8146,7 +8146,7 @@
           <a:p>
             <a:fld id="{BFD4D1DD-F3DA-4DDC-9B88-FD299EA8A50B}" type="datetimeFigureOut">
               <a:rPr lang="en-US" smtClean="0"/>
-              <a:t>02-Jul-23</a:t>
+              <a:t>03-Jul-23</a:t>
             </a:fld>
             <a:endParaRPr lang="en-US"/>
           </a:p>
@@ -9316,18 +9316,7 @@
                   </a:schemeClr>
                 </a:solidFill>
               </a:rPr>
-              <a:t>Acceptable arguments: </a:t>
-            </a:r>
-            <a:r>
-              <a:rPr lang="pt-BR" sz="3200" dirty="0">
-                <a:solidFill>
-                  <a:schemeClr val="tx1">
-                    <a:lumMod val="65000"/>
-                    <a:lumOff val="35000"/>
-                  </a:schemeClr>
-                </a:solidFill>
-              </a:rPr>
-              <a:t>A, B, C, D, E, F, G | all arguments;</a:t>
+              <a:t>Conflict-free sets: {B, C}, {A, D}, {B, C, E, F};</a:t>
             </a:r>
           </a:p>
           <a:p>
@@ -9340,7 +9329,7 @@
                   </a:schemeClr>
                 </a:solidFill>
               </a:rPr>
-              <a:t>Conflict-free sets: {B, C}, {A, D}, {B, C, E, F};</a:t>
+              <a:t>Stable extensions: {A, E, F};</a:t>
             </a:r>
           </a:p>
           <a:p>
@@ -9361,7 +9350,7 @@
                   </a:schemeClr>
                 </a:solidFill>
               </a:rPr>
-              <a:t>{B, C, E}, {A, E, F}, </a:t>
+              <a:t>{B, C, E, F}, {A, E, F}, </a:t>
             </a:r>
             <a:r>
               <a:rPr lang="en-US" sz="3600" b="1" strike="sngStrike" dirty="0"/>
@@ -9910,30 +9899,6 @@
                   </a:schemeClr>
                 </a:solidFill>
               </a:rPr>
-              <a:t>Acceptable arguments: </a:t>
-            </a:r>
-            <a:r>
-              <a:rPr lang="pt-BR" sz="3200" dirty="0">
-                <a:solidFill>
-                  <a:schemeClr val="tx1">
-                    <a:lumMod val="65000"/>
-                    <a:lumOff val="35000"/>
-                  </a:schemeClr>
-                </a:solidFill>
-              </a:rPr>
-              <a:t>A, B, C, D, E, F, G | all arguments;</a:t>
-            </a:r>
-          </a:p>
-          <a:p>
-            <a:r>
-              <a:rPr lang="en-US" sz="3200" dirty="0">
-                <a:solidFill>
-                  <a:schemeClr val="tx1">
-                    <a:lumMod val="65000"/>
-                    <a:lumOff val="35000"/>
-                  </a:schemeClr>
-                </a:solidFill>
-              </a:rPr>
               <a:t>Conflict-free sets: {B, C}, {A, D}, {B, C, E, F};</a:t>
             </a:r>
           </a:p>
@@ -9947,7 +9912,20 @@
                   </a:schemeClr>
                 </a:solidFill>
               </a:rPr>
-              <a:t>Admissible: {B, C, E}, {A, E, F}, </a:t>
+              <a:t>Stable extensions: {A, E, F};</a:t>
+            </a:r>
+          </a:p>
+          <a:p>
+            <a:r>
+              <a:rPr lang="en-US" sz="3200" dirty="0">
+                <a:solidFill>
+                  <a:schemeClr val="tx1">
+                    <a:lumMod val="65000"/>
+                    <a:lumOff val="35000"/>
+                  </a:schemeClr>
+                </a:solidFill>
+              </a:rPr>
+              <a:t>Admissible: {B, C, E, F}, {A, E, F}, </a:t>
             </a:r>
             <a:r>
               <a:rPr lang="en-US" sz="3200" strike="sngStrike" dirty="0">
@@ -10507,30 +10485,6 @@
                   </a:schemeClr>
                 </a:solidFill>
               </a:rPr>
-              <a:t>Acceptable arguments: </a:t>
-            </a:r>
-            <a:r>
-              <a:rPr lang="pt-BR" sz="3200" dirty="0">
-                <a:solidFill>
-                  <a:schemeClr val="tx1">
-                    <a:lumMod val="65000"/>
-                    <a:lumOff val="35000"/>
-                  </a:schemeClr>
-                </a:solidFill>
-              </a:rPr>
-              <a:t>A, B, C, D, E, F, G | all arguments;</a:t>
-            </a:r>
-          </a:p>
-          <a:p>
-            <a:r>
-              <a:rPr lang="en-US" sz="3200" dirty="0">
-                <a:solidFill>
-                  <a:schemeClr val="tx1">
-                    <a:lumMod val="65000"/>
-                    <a:lumOff val="35000"/>
-                  </a:schemeClr>
-                </a:solidFill>
-              </a:rPr>
               <a:t>Conflict-free sets: {B, C}, {A, D}, {B, C, E, F};</a:t>
             </a:r>
           </a:p>
@@ -10544,7 +10498,20 @@
                   </a:schemeClr>
                 </a:solidFill>
               </a:rPr>
-              <a:t>Admissible: {B, C, E}, {A, E, F}, </a:t>
+              <a:t>Stable extensions: {A, E, F};</a:t>
+            </a:r>
+          </a:p>
+          <a:p>
+            <a:r>
+              <a:rPr lang="en-US" sz="3200" dirty="0">
+                <a:solidFill>
+                  <a:schemeClr val="tx1">
+                    <a:lumMod val="65000"/>
+                    <a:lumOff val="35000"/>
+                  </a:schemeClr>
+                </a:solidFill>
+              </a:rPr>
+              <a:t>Admissible: {B, C, E, F}, {A, E, F}, </a:t>
             </a:r>
             <a:r>
               <a:rPr lang="en-US" sz="3200" strike="sngStrike" dirty="0">
@@ -11122,30 +11089,6 @@
                   </a:schemeClr>
                 </a:solidFill>
               </a:rPr>
-              <a:t>Acceptable arguments: </a:t>
-            </a:r>
-            <a:r>
-              <a:rPr lang="pt-BR" sz="3200" dirty="0">
-                <a:solidFill>
-                  <a:schemeClr val="tx1">
-                    <a:lumMod val="65000"/>
-                    <a:lumOff val="35000"/>
-                  </a:schemeClr>
-                </a:solidFill>
-              </a:rPr>
-              <a:t>A, B, C, D, E, F, G | all arguments;</a:t>
-            </a:r>
-          </a:p>
-          <a:p>
-            <a:r>
-              <a:rPr lang="en-US" sz="3200" dirty="0">
-                <a:solidFill>
-                  <a:schemeClr val="tx1">
-                    <a:lumMod val="65000"/>
-                    <a:lumOff val="35000"/>
-                  </a:schemeClr>
-                </a:solidFill>
-              </a:rPr>
               <a:t>Conflict-free sets: {B, C}, {A, D}, {B, C, E, F};</a:t>
             </a:r>
           </a:p>
@@ -11159,7 +11102,20 @@
                   </a:schemeClr>
                 </a:solidFill>
               </a:rPr>
-              <a:t>Admissible: {B, C, E}, {A, E, F}, </a:t>
+              <a:t>Stable extensions: {A, E, F};</a:t>
+            </a:r>
+          </a:p>
+          <a:p>
+            <a:r>
+              <a:rPr lang="en-US" sz="3200" dirty="0">
+                <a:solidFill>
+                  <a:schemeClr val="tx1">
+                    <a:lumMod val="65000"/>
+                    <a:lumOff val="35000"/>
+                  </a:schemeClr>
+                </a:solidFill>
+              </a:rPr>
+              <a:t>Admissible: {B, C, E, F}, {A, E, F}, </a:t>
             </a:r>
             <a:r>
               <a:rPr lang="en-US" sz="3200" strike="sngStrike" dirty="0">
@@ -11189,17 +11145,17 @@
           <a:p>
             <a:r>
               <a:rPr lang="en-US" sz="3600" b="1" dirty="0"/>
-              <a:t>Preferred: {B, C, E};</a:t>
+              <a:t>Preferred: {B, C, E, F};</a:t>
             </a:r>
           </a:p>
         </p:txBody>
       </p:sp>
       <p:pic>
         <p:nvPicPr>
-          <p:cNvPr id="6" name="Picture 5">
+          <p:cNvPr id="5" name="Picture 4">
             <a:extLst>
               <a:ext uri="{FF2B5EF4-FFF2-40B4-BE49-F238E27FC236}">
-                <a16:creationId xmlns:a16="http://schemas.microsoft.com/office/drawing/2014/main" id="{59E8CACD-F584-0885-0AB4-08C2159590AC}"/>
+                <a16:creationId xmlns:a16="http://schemas.microsoft.com/office/drawing/2014/main" id="{65AE11E6-588D-5703-F06C-AEC5EB3BA39A}"/>
               </a:ext>
             </a:extLst>
           </p:cNvPr>
@@ -11216,8 +11172,8 @@
         </p:blipFill>
         <p:spPr>
           <a:xfrm>
-            <a:off x="326967" y="1984442"/>
-            <a:ext cx="5997971" cy="3149620"/>
+            <a:off x="357551" y="1984442"/>
+            <a:ext cx="5942550" cy="3174787"/>
           </a:xfrm>
           <a:prstGeom prst="rect">
             <a:avLst/>
@@ -11226,10 +11182,10 @@
       </p:pic>
       <p:sp>
         <p:nvSpPr>
-          <p:cNvPr id="5" name="Title 1">
+          <p:cNvPr id="6" name="Title 1">
             <a:extLst>
               <a:ext uri="{FF2B5EF4-FFF2-40B4-BE49-F238E27FC236}">
-                <a16:creationId xmlns:a16="http://schemas.microsoft.com/office/drawing/2014/main" id="{32B40AE3-D326-83A5-3D4A-61D00A5CA828}"/>
+                <a16:creationId xmlns:a16="http://schemas.microsoft.com/office/drawing/2014/main" id="{2C271B7D-16B5-5F91-B13B-C4352CBDEC75}"/>
               </a:ext>
             </a:extLst>
           </p:cNvPr>
@@ -11264,7 +11220,7 @@
     </p:spTree>
     <p:extLst>
       <p:ext uri="{BB962C8B-B14F-4D97-AF65-F5344CB8AC3E}">
-        <p14:creationId xmlns:p14="http://schemas.microsoft.com/office/powerpoint/2010/main" val="2937963986"/>
+        <p14:creationId xmlns:p14="http://schemas.microsoft.com/office/powerpoint/2010/main" val="1659988378"/>
       </p:ext>
     </p:extLst>
   </p:cSld>
@@ -11707,36 +11663,12 @@
         </p:spPr>
         <p:txBody>
           <a:bodyPr>
-            <a:noAutofit/>
+            <a:normAutofit/>
           </a:bodyPr>
           <a:lstStyle/>
           <a:p>
             <a:r>
-              <a:rPr lang="en-US" sz="3300" dirty="0">
-                <a:solidFill>
-                  <a:schemeClr val="tx1">
-                    <a:lumMod val="65000"/>
-                    <a:lumOff val="35000"/>
-                  </a:schemeClr>
-                </a:solidFill>
-              </a:rPr>
-              <a:t>Acceptable arguments: </a:t>
-            </a:r>
-            <a:r>
-              <a:rPr lang="pt-BR" sz="3300" dirty="0">
-                <a:solidFill>
-                  <a:schemeClr val="tx1">
-                    <a:lumMod val="65000"/>
-                    <a:lumOff val="35000"/>
-                  </a:schemeClr>
-                </a:solidFill>
-              </a:rPr>
-              <a:t>A, B, C, D, E, F, G | all arguments;</a:t>
-            </a:r>
-          </a:p>
-          <a:p>
-            <a:r>
-              <a:rPr lang="en-US" sz="3300" dirty="0">
+              <a:rPr lang="en-US" sz="3200" dirty="0">
                 <a:solidFill>
                   <a:schemeClr val="tx1">
                     <a:lumMod val="65000"/>
@@ -11749,7 +11681,7 @@
           </a:p>
           <a:p>
             <a:r>
-              <a:rPr lang="en-US" sz="3300" dirty="0">
+              <a:rPr lang="en-US" sz="3200" dirty="0">
                 <a:solidFill>
                   <a:schemeClr val="tx1">
                     <a:lumMod val="65000"/>
@@ -11757,10 +11689,23 @@
                   </a:schemeClr>
                 </a:solidFill>
               </a:rPr>
-              <a:t>Admissible: {B, C, E}, {A, E, F}, </a:t>
+              <a:t>Stable extensions: {A, E, F};</a:t>
+            </a:r>
+          </a:p>
+          <a:p>
+            <a:r>
+              <a:rPr lang="en-US" sz="3200" dirty="0">
+                <a:solidFill>
+                  <a:schemeClr val="tx1">
+                    <a:lumMod val="65000"/>
+                    <a:lumOff val="35000"/>
+                  </a:schemeClr>
+                </a:solidFill>
+              </a:rPr>
+              <a:t>Admissible: {B, C, E, F}, {A, E, F}, </a:t>
             </a:r>
             <a:r>
-              <a:rPr lang="en-US" sz="3300" strike="sngStrike" dirty="0">
+              <a:rPr lang="en-US" sz="3200" strike="sngStrike" dirty="0">
                 <a:solidFill>
                   <a:schemeClr val="tx1">
                     <a:lumMod val="65000"/>
@@ -11773,7 +11718,7 @@
           </a:p>
           <a:p>
             <a:r>
-              <a:rPr lang="en-US" sz="3300" dirty="0">
+              <a:rPr lang="en-US" sz="3200" dirty="0">
                 <a:solidFill>
                   <a:schemeClr val="tx1">
                     <a:lumMod val="65000"/>
@@ -11786,7 +11731,7 @@
           </a:p>
           <a:p>
             <a:r>
-              <a:rPr lang="en-US" sz="3300" dirty="0">
+              <a:rPr lang="en-US" sz="3200" dirty="0">
                 <a:solidFill>
                   <a:schemeClr val="tx1">
                     <a:lumMod val="65000"/>
@@ -11794,23 +11739,23 @@
                   </a:schemeClr>
                 </a:solidFill>
               </a:rPr>
-              <a:t>Preferred: {B, C, E};</a:t>
+              <a:t>Preferred: {B, C, E, F};</a:t>
             </a:r>
           </a:p>
           <a:p>
             <a:r>
               <a:rPr lang="en-US" sz="3600" b="1" dirty="0"/>
-              <a:t>Grounded: {B, C, E, F};</a:t>
+              <a:t>Grounded: {B, C, E};</a:t>
             </a:r>
           </a:p>
         </p:txBody>
       </p:sp>
       <p:pic>
         <p:nvPicPr>
-          <p:cNvPr id="5" name="Picture 4">
+          <p:cNvPr id="6" name="Picture 5">
             <a:extLst>
               <a:ext uri="{FF2B5EF4-FFF2-40B4-BE49-F238E27FC236}">
-                <a16:creationId xmlns:a16="http://schemas.microsoft.com/office/drawing/2014/main" id="{65AE11E6-588D-5703-F06C-AEC5EB3BA39A}"/>
+                <a16:creationId xmlns:a16="http://schemas.microsoft.com/office/drawing/2014/main" id="{59E8CACD-F584-0885-0AB4-08C2159590AC}"/>
               </a:ext>
             </a:extLst>
           </p:cNvPr>
@@ -11827,8 +11772,8 @@
         </p:blipFill>
         <p:spPr>
           <a:xfrm>
-            <a:off x="357551" y="1959429"/>
-            <a:ext cx="6005360" cy="3208343"/>
+            <a:off x="326967" y="1984442"/>
+            <a:ext cx="5997971" cy="3149620"/>
           </a:xfrm>
           <a:prstGeom prst="rect">
             <a:avLst/>
@@ -11837,10 +11782,10 @@
       </p:pic>
       <p:sp>
         <p:nvSpPr>
-          <p:cNvPr id="6" name="Title 1">
+          <p:cNvPr id="5" name="Title 1">
             <a:extLst>
               <a:ext uri="{FF2B5EF4-FFF2-40B4-BE49-F238E27FC236}">
-                <a16:creationId xmlns:a16="http://schemas.microsoft.com/office/drawing/2014/main" id="{B6918893-814A-AD3D-4370-6DF60915557D}"/>
+                <a16:creationId xmlns:a16="http://schemas.microsoft.com/office/drawing/2014/main" id="{32B40AE3-D326-83A5-3D4A-61D00A5CA828}"/>
               </a:ext>
             </a:extLst>
           </p:cNvPr>
@@ -11875,7 +11820,7 @@
     </p:spTree>
     <p:extLst>
       <p:ext uri="{BB962C8B-B14F-4D97-AF65-F5344CB8AC3E}">
-        <p14:creationId xmlns:p14="http://schemas.microsoft.com/office/powerpoint/2010/main" val="2931409660"/>
+        <p14:creationId xmlns:p14="http://schemas.microsoft.com/office/powerpoint/2010/main" val="2937963986"/>
       </p:ext>
     </p:extLst>
   </p:cSld>
@@ -12678,8 +12623,8 @@
           </a:p>
         </p:txBody>
       </p:sp>
-      <mc:AlternateContent xmlns:mc="http://schemas.openxmlformats.org/markup-compatibility/2006">
-        <mc:Choice xmlns:a14="http://schemas.microsoft.com/office/drawing/2010/main" Requires="a14">
+      <mc:AlternateContent xmlns:mc="http://schemas.openxmlformats.org/markup-compatibility/2006" xmlns:a14="http://schemas.microsoft.com/office/drawing/2010/main">
+        <mc:Choice Requires="a14">
           <p:sp>
             <p:nvSpPr>
               <p:cNvPr id="3" name="Content Placeholder 2">
@@ -13032,7 +12977,7 @@
             </p:txBody>
           </p:sp>
         </mc:Choice>
-        <mc:Fallback>
+        <mc:Fallback xmlns="">
           <p:sp>
             <p:nvSpPr>
               <p:cNvPr id="3" name="Content Placeholder 2">
@@ -13112,8 +13057,8 @@
           </a:p>
         </p:txBody>
       </p:sp>
-      <mc:AlternateContent xmlns:mc="http://schemas.openxmlformats.org/markup-compatibility/2006">
-        <mc:Choice xmlns:a14="http://schemas.microsoft.com/office/drawing/2010/main" Requires="a14">
+      <mc:AlternateContent xmlns:mc="http://schemas.openxmlformats.org/markup-compatibility/2006" xmlns:a14="http://schemas.microsoft.com/office/drawing/2010/main">
+        <mc:Choice Requires="a14">
           <p:graphicFrame>
             <p:nvGraphicFramePr>
               <p:cNvPr id="11" name="Table 12">
@@ -13325,7 +13270,7 @@
             </a:graphic>
           </p:graphicFrame>
         </mc:Choice>
-        <mc:Fallback>
+        <mc:Fallback xmlns="">
           <p:graphicFrame>
             <p:nvGraphicFramePr>
               <p:cNvPr id="11" name="Table 12">
@@ -14356,8 +14301,8 @@
           </a:graphicData>
         </a:graphic>
       </p:graphicFrame>
-      <mc:AlternateContent xmlns:mc="http://schemas.openxmlformats.org/markup-compatibility/2006">
-        <mc:Choice xmlns:p14="http://schemas.microsoft.com/office/powerpoint/2010/main" Requires="p14">
+      <mc:AlternateContent xmlns:mc="http://schemas.openxmlformats.org/markup-compatibility/2006" xmlns:p14="http://schemas.microsoft.com/office/powerpoint/2010/main">
+        <mc:Choice Requires="p14">
           <p:contentPart p14:bwMode="auto" r:id="rId2">
             <p14:nvContentPartPr>
               <p14:cNvPr id="23" name="Ink 22">
@@ -14376,7 +14321,7 @@
             </p14:xfrm>
           </p:contentPart>
         </mc:Choice>
-        <mc:Fallback>
+        <mc:Fallback xmlns="">
           <p:pic>
             <p:nvPicPr>
               <p:cNvPr id="23" name="Ink 22">
@@ -14422,7 +14367,7 @@
           <p:nvPr>
             <p:extLst>
               <p:ext uri="{D42A27DB-BD31-4B8C-83A1-F6EECF244321}">
-                <p14:modId xmlns:p14="http://schemas.microsoft.com/office/powerpoint/2010/main" val="2751494547"/>
+                <p14:modId xmlns:p14="http://schemas.microsoft.com/office/powerpoint/2010/main" val="2377283806"/>
               </p:ext>
             </p:extLst>
           </p:nvPr>
@@ -16595,14 +16540,14 @@
                     <a:p>
                       <a:pPr algn="l" fontAlgn="b"/>
                       <a:r>
-                        <a:rPr lang="en-US" sz="1400" b="0" i="0" u="none" strike="noStrike">
+                        <a:rPr lang="en-US" sz="1400" b="1" i="0" u="none" strike="noStrike" dirty="0">
                           <a:solidFill>
                             <a:srgbClr val="000000"/>
                           </a:solidFill>
                           <a:effectLst/>
                           <a:latin typeface="Calibri" panose="020F0502020204030204" pitchFamily="34" charset="0"/>
                         </a:rPr>
-                        <a:t>Our</a:t>
+                        <a:t>Our algorithm</a:t>
                       </a:r>
                     </a:p>
                   </a:txBody>
@@ -18931,14 +18876,14 @@
                     <a:p>
                       <a:pPr algn="l" fontAlgn="b"/>
                       <a:r>
-                        <a:rPr lang="en-US" sz="1400" b="0" i="0" u="none" strike="noStrike">
+                        <a:rPr lang="en-US" sz="1400" b="1" i="0" u="none" strike="noStrike" dirty="0">
                           <a:solidFill>
                             <a:srgbClr val="000000"/>
                           </a:solidFill>
                           <a:effectLst/>
                           <a:latin typeface="Calibri" panose="020F0502020204030204" pitchFamily="34" charset="0"/>
                         </a:rPr>
-                        <a:t>Our</a:t>
+                        <a:t>Our algorithm</a:t>
                       </a:r>
                     </a:p>
                   </a:txBody>
@@ -21253,14 +21198,14 @@
                     <a:p>
                       <a:pPr algn="l" fontAlgn="b"/>
                       <a:r>
-                        <a:rPr lang="en-US" sz="1400" b="0" i="0" u="none" strike="noStrike">
+                        <a:rPr lang="en-US" sz="1400" b="1" i="0" u="none" strike="noStrike" dirty="0">
                           <a:solidFill>
                             <a:srgbClr val="000000"/>
                           </a:solidFill>
                           <a:effectLst/>
                           <a:latin typeface="Calibri" panose="020F0502020204030204" pitchFamily="34" charset="0"/>
                         </a:rPr>
-                        <a:t>Our</a:t>
+                        <a:t>Our algorithm</a:t>
                       </a:r>
                     </a:p>
                   </a:txBody>
@@ -23577,14 +23522,14 @@
                     <a:p>
                       <a:pPr algn="l" fontAlgn="b"/>
                       <a:r>
-                        <a:rPr lang="en-US" sz="1400" b="0" i="0" u="none" strike="noStrike">
+                        <a:rPr lang="en-US" sz="1400" b="1" i="0" u="none" strike="noStrike" dirty="0">
                           <a:solidFill>
                             <a:srgbClr val="000000"/>
                           </a:solidFill>
                           <a:effectLst/>
                           <a:latin typeface="Calibri" panose="020F0502020204030204" pitchFamily="34" charset="0"/>
                         </a:rPr>
-                        <a:t>Our</a:t>
+                        <a:t>Our algorithm</a:t>
                       </a:r>
                     </a:p>
                   </a:txBody>
@@ -25915,14 +25860,14 @@
                     <a:p>
                       <a:pPr algn="l" fontAlgn="b"/>
                       <a:r>
-                        <a:rPr lang="en-US" sz="1400" b="0" i="0" u="none" strike="noStrike">
+                        <a:rPr lang="en-US" sz="1400" b="1" i="0" u="none" strike="noStrike" dirty="0">
                           <a:solidFill>
                             <a:srgbClr val="000000"/>
                           </a:solidFill>
                           <a:effectLst/>
                           <a:latin typeface="Calibri" panose="020F0502020204030204" pitchFamily="34" charset="0"/>
                         </a:rPr>
-                        <a:t>Our</a:t>
+                        <a:t>Our algorithm</a:t>
                       </a:r>
                     </a:p>
                   </a:txBody>
@@ -27600,6 +27545,94 @@
           </a:graphicData>
         </a:graphic>
       </p:graphicFrame>
+      <p:sp>
+        <p:nvSpPr>
+          <p:cNvPr id="2" name="TextBox 1">
+            <a:extLst>
+              <a:ext uri="{FF2B5EF4-FFF2-40B4-BE49-F238E27FC236}">
+                <a16:creationId xmlns:a16="http://schemas.microsoft.com/office/drawing/2014/main" id="{66194E55-E9F6-020A-B3BE-48D0C244D340}"/>
+              </a:ext>
+            </a:extLst>
+          </p:cNvPr>
+          <p:cNvSpPr txBox="1"/>
+          <p:nvPr/>
+        </p:nvSpPr>
+        <p:spPr>
+          <a:xfrm>
+            <a:off x="-3389" y="847287"/>
+            <a:ext cx="3573479" cy="369332"/>
+          </a:xfrm>
+          <a:prstGeom prst="rect">
+            <a:avLst/>
+          </a:prstGeom>
+          <a:noFill/>
+        </p:spPr>
+        <p:txBody>
+          <a:bodyPr wrap="none" rtlCol="0">
+            <a:spAutoFit/>
+          </a:bodyPr>
+          <a:lstStyle/>
+          <a:p>
+            <a:r>
+              <a:rPr lang="en-US" b="1" dirty="0"/>
+              <a:t>Source: </a:t>
+            </a:r>
+            <a:r>
+              <a:rPr lang="en-US" dirty="0"/>
+              <a:t>https://conarg.dmi.unipg.it</a:t>
+            </a:r>
+          </a:p>
+        </p:txBody>
+      </p:sp>
+      <p:sp>
+        <p:nvSpPr>
+          <p:cNvPr id="3" name="TextBox 2">
+            <a:extLst>
+              <a:ext uri="{FF2B5EF4-FFF2-40B4-BE49-F238E27FC236}">
+                <a16:creationId xmlns:a16="http://schemas.microsoft.com/office/drawing/2014/main" id="{16D88727-D7E0-FCCF-7B92-ADE33AECC31E}"/>
+              </a:ext>
+            </a:extLst>
+          </p:cNvPr>
+          <p:cNvSpPr txBox="1"/>
+          <p:nvPr/>
+        </p:nvSpPr>
+        <p:spPr>
+          <a:xfrm>
+            <a:off x="8545262" y="435139"/>
+            <a:ext cx="3643690" cy="646331"/>
+          </a:xfrm>
+          <a:prstGeom prst="rect">
+            <a:avLst/>
+          </a:prstGeom>
+          <a:noFill/>
+        </p:spPr>
+        <p:txBody>
+          <a:bodyPr wrap="none" rtlCol="0">
+            <a:spAutoFit/>
+          </a:bodyPr>
+          <a:lstStyle/>
+          <a:p>
+            <a:r>
+              <a:rPr lang="en-US" b="1" dirty="0"/>
+              <a:t>ASPARTIX</a:t>
+            </a:r>
+            <a:r>
+              <a:rPr lang="en-US" dirty="0"/>
+              <a:t> – ICCMA 2015, 2019, 2021</a:t>
+            </a:r>
+          </a:p>
+          <a:p>
+            <a:r>
+              <a:rPr lang="en-US" b="1" dirty="0"/>
+              <a:t>ConArg2</a:t>
+            </a:r>
+            <a:r>
+              <a:rPr lang="en-US" dirty="0"/>
+              <a:t> – ICCMA 2015, 2017, 2021</a:t>
+            </a:r>
+          </a:p>
+        </p:txBody>
+      </p:sp>
     </p:spTree>
     <p:extLst>
       <p:ext uri="{BB962C8B-B14F-4D97-AF65-F5344CB8AC3E}">
@@ -27919,8 +27952,8 @@
           </a:p>
         </p:txBody>
       </p:sp>
-      <mc:AlternateContent xmlns:mc="http://schemas.openxmlformats.org/markup-compatibility/2006">
-        <mc:Choice xmlns:p14="http://schemas.microsoft.com/office/powerpoint/2010/main" Requires="p14">
+      <mc:AlternateContent xmlns:mc="http://schemas.openxmlformats.org/markup-compatibility/2006" xmlns:p14="http://schemas.microsoft.com/office/powerpoint/2010/main">
+        <mc:Choice Requires="p14">
           <p:contentPart p14:bwMode="auto" r:id="rId2">
             <p14:nvContentPartPr>
               <p14:cNvPr id="4" name="Ink 3">
@@ -27939,7 +27972,7 @@
             </p14:xfrm>
           </p:contentPart>
         </mc:Choice>
-        <mc:Fallback>
+        <mc:Fallback xmlns="">
           <p:pic>
             <p:nvPicPr>
               <p:cNvPr id="4" name="Ink 3">
@@ -27970,8 +28003,8 @@
           </p:pic>
         </mc:Fallback>
       </mc:AlternateContent>
-      <mc:AlternateContent xmlns:mc="http://schemas.openxmlformats.org/markup-compatibility/2006">
-        <mc:Choice xmlns:a14="http://schemas.microsoft.com/office/drawing/2010/main" Requires="a14">
+      <mc:AlternateContent xmlns:mc="http://schemas.openxmlformats.org/markup-compatibility/2006" xmlns:a14="http://schemas.microsoft.com/office/drawing/2010/main">
+        <mc:Choice Requires="a14">
           <p:graphicFrame>
             <p:nvGraphicFramePr>
               <p:cNvPr id="6" name="Table 6">
@@ -29355,7 +29388,7 @@
             </a:graphic>
           </p:graphicFrame>
         </mc:Choice>
-        <mc:Fallback>
+        <mc:Fallback xmlns="">
           <p:graphicFrame>
             <p:nvGraphicFramePr>
               <p:cNvPr id="6" name="Table 6">
@@ -32502,8 +32535,8 @@
           </a:prstGeom>
         </p:spPr>
       </p:pic>
-      <mc:AlternateContent xmlns:mc="http://schemas.openxmlformats.org/markup-compatibility/2006">
-        <mc:Choice xmlns:a14="http://schemas.microsoft.com/office/drawing/2010/main" Requires="a14">
+      <mc:AlternateContent xmlns:mc="http://schemas.openxmlformats.org/markup-compatibility/2006" xmlns:a14="http://schemas.microsoft.com/office/drawing/2010/main">
+        <mc:Choice Requires="a14">
           <p:sp>
             <p:nvSpPr>
               <p:cNvPr id="14" name="TextBox 13">
@@ -32612,7 +32645,7 @@
             </p:txBody>
           </p:sp>
         </mc:Choice>
-        <mc:Fallback>
+        <mc:Fallback xmlns="">
           <p:sp>
             <p:nvSpPr>
               <p:cNvPr id="14" name="TextBox 13">
@@ -33109,16 +33142,21 @@
           <a:p>
             <a:r>
               <a:rPr lang="en-US" sz="3600" b="1" dirty="0"/>
-              <a:t>Acceptable arguments: </a:t>
+              <a:t>Conflict-free sets: {B, C}</a:t>
             </a:r>
             <a:r>
-              <a:rPr lang="pt-BR" sz="3600" b="1" dirty="0"/>
-              <a:t>A, B, C, D, E, F, G </a:t>
+              <a:rPr lang="en-US" sz="3200" dirty="0">
+                <a:solidFill>
+                  <a:schemeClr val="tx1">
+                    <a:lumMod val="65000"/>
+                    <a:lumOff val="35000"/>
+                  </a:schemeClr>
+                </a:solidFill>
+              </a:rPr>
+              <a:t>,</a:t>
             </a:r>
-            <a:r>
-              <a:rPr lang="pt-BR" sz="3200" dirty="0"/>
-              <a:t>| all arguments;</a:t>
-            </a:r>
+          </a:p>
+          <a:p>
             <a:endParaRPr lang="en-US" sz="3200" dirty="0"/>
           </a:p>
           <a:p>
@@ -33131,7 +33169,7 @@
           <p:cNvPr id="10" name="Picture 9">
             <a:extLst>
               <a:ext uri="{FF2B5EF4-FFF2-40B4-BE49-F238E27FC236}">
-                <a16:creationId xmlns:a16="http://schemas.microsoft.com/office/drawing/2014/main" id="{7C3FDE87-D3C8-61BC-847A-4157F8896E44}"/>
+                <a16:creationId xmlns:a16="http://schemas.microsoft.com/office/drawing/2014/main" id="{13E29DCD-F154-B35A-6880-754B5E39A353}"/>
               </a:ext>
             </a:extLst>
           </p:cNvPr>
@@ -33148,8 +33186,8 @@
         </p:blipFill>
         <p:spPr>
           <a:xfrm>
-            <a:off x="338967" y="1959428"/>
-            <a:ext cx="6079346" cy="3107521"/>
+            <a:off x="345484" y="1959429"/>
+            <a:ext cx="5976568" cy="3192030"/>
           </a:xfrm>
           <a:prstGeom prst="rect">
             <a:avLst/>
@@ -33158,31 +33196,50 @@
       </p:pic>
       <p:sp>
         <p:nvSpPr>
-          <p:cNvPr id="6" name="Title 1">
+          <p:cNvPr id="8" name="Title 1">
             <a:extLst>
               <a:ext uri="{FF2B5EF4-FFF2-40B4-BE49-F238E27FC236}">
-                <a16:creationId xmlns:a16="http://schemas.microsoft.com/office/drawing/2014/main" id="{A49CAB5A-EDAD-230A-1841-37076207C1DE}"/>
+                <a16:creationId xmlns:a16="http://schemas.microsoft.com/office/drawing/2014/main" id="{44FA0C5B-26CA-A28C-6DAE-7AAF589163CA}"/>
               </a:ext>
             </a:extLst>
           </p:cNvPr>
-          <p:cNvSpPr>
-            <a:spLocks noGrp="1"/>
+          <p:cNvSpPr txBox="1">
+            <a:spLocks/>
           </p:cNvSpPr>
-          <p:nvPr>
-            <p:ph type="title"/>
-          </p:nvPr>
+          <p:nvPr/>
         </p:nvSpPr>
         <p:spPr>
           <a:xfrm>
             <a:off x="889233" y="235950"/>
             <a:ext cx="10617555" cy="1590452"/>
           </a:xfrm>
+          <a:prstGeom prst="rect">
+            <a:avLst/>
+          </a:prstGeom>
         </p:spPr>
         <p:txBody>
-          <a:bodyPr>
+          <a:bodyPr vert="horz" lIns="91440" tIns="45720" rIns="91440" bIns="45720" rtlCol="0" anchor="ctr">
             <a:normAutofit/>
           </a:bodyPr>
-          <a:lstStyle/>
+          <a:lstStyle>
+            <a:lvl1pPr algn="l" defTabSz="914400" rtl="0" eaLnBrk="1" latinLnBrk="0" hangingPunct="1">
+              <a:lnSpc>
+                <a:spcPct val="90000"/>
+              </a:lnSpc>
+              <a:spcBef>
+                <a:spcPct val="0"/>
+              </a:spcBef>
+              <a:buNone/>
+              <a:defRPr sz="4400" kern="1200">
+                <a:solidFill>
+                  <a:schemeClr val="tx1"/>
+                </a:solidFill>
+                <a:latin typeface="+mj-lt"/>
+                <a:ea typeface="+mj-ea"/>
+                <a:cs typeface="+mj-cs"/>
+              </a:defRPr>
+            </a:lvl1pPr>
+          </a:lstStyle>
           <a:p>
             <a:pPr algn="ctr"/>
             <a:r>
@@ -33196,7 +33253,7 @@
     </p:spTree>
     <p:extLst>
       <p:ext uri="{BB962C8B-B14F-4D97-AF65-F5344CB8AC3E}">
-        <p14:creationId xmlns:p14="http://schemas.microsoft.com/office/powerpoint/2010/main" val="2752836981"/>
+        <p14:creationId xmlns:p14="http://schemas.microsoft.com/office/powerpoint/2010/main" val="1116156738"/>
       </p:ext>
     </p:extLst>
   </p:cSld>
@@ -33644,6 +33701,14 @@
           <a:lstStyle/>
           <a:p>
             <a:r>
+              <a:rPr lang="en-US" sz="3600" b="1" dirty="0"/>
+              <a:t>Conflict-free sets:</a:t>
+            </a:r>
+            <a:r>
+              <a:rPr lang="en-US" sz="3200" b="1" dirty="0"/>
+              <a:t> </a:t>
+            </a:r>
+            <a:r>
               <a:rPr lang="en-US" sz="3200" dirty="0">
                 <a:solidFill>
                   <a:schemeClr val="tx1">
@@ -33652,24 +33717,15 @@
                   </a:schemeClr>
                 </a:solidFill>
               </a:rPr>
-              <a:t>Acceptable arguments: </a:t>
+              <a:t>{B, C}, </a:t>
             </a:r>
             <a:r>
-              <a:rPr lang="pt-BR" sz="3200" dirty="0">
-                <a:solidFill>
-                  <a:schemeClr val="tx1">
-                    <a:lumMod val="65000"/>
-                    <a:lumOff val="35000"/>
-                  </a:schemeClr>
-                </a:solidFill>
-              </a:rPr>
-              <a:t>A, B, C, D, E, F, G | all arguments;</a:t>
+              <a:rPr lang="en-US" sz="3200" b="1" dirty="0"/>
+              <a:t>{</a:t>
             </a:r>
-          </a:p>
-          <a:p>
             <a:r>
               <a:rPr lang="en-US" sz="3600" b="1" dirty="0"/>
-              <a:t>Conflict-free sets: {B, C}</a:t>
+              <a:t>A, D}</a:t>
             </a:r>
             <a:r>
               <a:rPr lang="en-US" sz="3200" dirty="0">
@@ -33693,10 +33749,10 @@
       </p:sp>
       <p:pic>
         <p:nvPicPr>
-          <p:cNvPr id="10" name="Picture 9">
+          <p:cNvPr id="5" name="Picture 4">
             <a:extLst>
               <a:ext uri="{FF2B5EF4-FFF2-40B4-BE49-F238E27FC236}">
-                <a16:creationId xmlns:a16="http://schemas.microsoft.com/office/drawing/2014/main" id="{13E29DCD-F154-B35A-6880-754B5E39A353}"/>
+                <a16:creationId xmlns:a16="http://schemas.microsoft.com/office/drawing/2014/main" id="{9B125360-FCFC-D4B4-0DE4-54D205519AF5}"/>
               </a:ext>
             </a:extLst>
           </p:cNvPr>
@@ -33713,8 +33769,8 @@
         </p:blipFill>
         <p:spPr>
           <a:xfrm>
-            <a:off x="345484" y="1959429"/>
-            <a:ext cx="5976568" cy="3192030"/>
+            <a:off x="293770" y="1959429"/>
+            <a:ext cx="5962551" cy="3144633"/>
           </a:xfrm>
           <a:prstGeom prst="rect">
             <a:avLst/>
@@ -33723,50 +33779,31 @@
       </p:pic>
       <p:sp>
         <p:nvSpPr>
-          <p:cNvPr id="8" name="Title 1">
+          <p:cNvPr id="10" name="Title 1">
             <a:extLst>
               <a:ext uri="{FF2B5EF4-FFF2-40B4-BE49-F238E27FC236}">
-                <a16:creationId xmlns:a16="http://schemas.microsoft.com/office/drawing/2014/main" id="{44FA0C5B-26CA-A28C-6DAE-7AAF589163CA}"/>
+                <a16:creationId xmlns:a16="http://schemas.microsoft.com/office/drawing/2014/main" id="{89AD120D-2826-9429-EFE8-F1B3A47CA198}"/>
               </a:ext>
             </a:extLst>
           </p:cNvPr>
-          <p:cNvSpPr txBox="1">
-            <a:spLocks/>
+          <p:cNvSpPr>
+            <a:spLocks noGrp="1"/>
           </p:cNvSpPr>
-          <p:nvPr/>
+          <p:nvPr>
+            <p:ph type="title"/>
+          </p:nvPr>
         </p:nvSpPr>
         <p:spPr>
           <a:xfrm>
             <a:off x="889233" y="235950"/>
             <a:ext cx="10617555" cy="1590452"/>
           </a:xfrm>
-          <a:prstGeom prst="rect">
-            <a:avLst/>
-          </a:prstGeom>
         </p:spPr>
         <p:txBody>
-          <a:bodyPr vert="horz" lIns="91440" tIns="45720" rIns="91440" bIns="45720" rtlCol="0" anchor="ctr">
+          <a:bodyPr>
             <a:normAutofit/>
           </a:bodyPr>
-          <a:lstStyle>
-            <a:lvl1pPr algn="l" defTabSz="914400" rtl="0" eaLnBrk="1" latinLnBrk="0" hangingPunct="1">
-              <a:lnSpc>
-                <a:spcPct val="90000"/>
-              </a:lnSpc>
-              <a:spcBef>
-                <a:spcPct val="0"/>
-              </a:spcBef>
-              <a:buNone/>
-              <a:defRPr sz="4400" kern="1200">
-                <a:solidFill>
-                  <a:schemeClr val="tx1"/>
-                </a:solidFill>
-                <a:latin typeface="+mj-lt"/>
-                <a:ea typeface="+mj-ea"/>
-                <a:cs typeface="+mj-cs"/>
-              </a:defRPr>
-            </a:lvl1pPr>
-          </a:lstStyle>
+          <a:lstStyle/>
           <a:p>
             <a:pPr algn="ctr"/>
             <a:r>
@@ -33780,7 +33817,7 @@
     </p:spTree>
     <p:extLst>
       <p:ext uri="{BB962C8B-B14F-4D97-AF65-F5344CB8AC3E}">
-        <p14:creationId xmlns:p14="http://schemas.microsoft.com/office/powerpoint/2010/main" val="1116156738"/>
+        <p14:creationId xmlns:p14="http://schemas.microsoft.com/office/powerpoint/2010/main" val="3348445109"/>
       </p:ext>
     </p:extLst>
   </p:cSld>
@@ -34228,36 +34265,8 @@
           <a:lstStyle/>
           <a:p>
             <a:r>
-              <a:rPr lang="en-US" sz="3200" dirty="0">
-                <a:solidFill>
-                  <a:schemeClr val="tx1">
-                    <a:lumMod val="65000"/>
-                    <a:lumOff val="35000"/>
-                  </a:schemeClr>
-                </a:solidFill>
-              </a:rPr>
-              <a:t>Acceptable arguments: </a:t>
-            </a:r>
-            <a:r>
-              <a:rPr lang="pt-BR" sz="3200" dirty="0">
-                <a:solidFill>
-                  <a:schemeClr val="tx1">
-                    <a:lumMod val="65000"/>
-                    <a:lumOff val="35000"/>
-                  </a:schemeClr>
-                </a:solidFill>
-              </a:rPr>
-              <a:t>A, B, C, D, E, F, G | all arguments;</a:t>
-            </a:r>
-          </a:p>
-          <a:p>
-            <a:r>
               <a:rPr lang="en-US" sz="3600" b="1" dirty="0"/>
-              <a:t>Conflict-free sets:</a:t>
-            </a:r>
-            <a:r>
-              <a:rPr lang="en-US" sz="3200" b="1" dirty="0"/>
-              <a:t> </a:t>
+              <a:t>Conflict-free sets: </a:t>
             </a:r>
             <a:r>
               <a:rPr lang="en-US" sz="3200" dirty="0">
@@ -34268,15 +34277,11 @@
                   </a:schemeClr>
                 </a:solidFill>
               </a:rPr>
-              <a:t>{B, C}, </a:t>
-            </a:r>
-            <a:r>
-              <a:rPr lang="en-US" sz="3200" b="1" dirty="0"/>
-              <a:t>{</a:t>
+              <a:t>{B, C}, {A, D}, </a:t>
             </a:r>
             <a:r>
               <a:rPr lang="en-US" sz="3600" b="1" dirty="0"/>
-              <a:t>A, D}</a:t>
+              <a:t>{B, C, E, F}</a:t>
             </a:r>
             <a:r>
               <a:rPr lang="en-US" sz="3200" dirty="0">
@@ -34287,7 +34292,7 @@
                   </a:schemeClr>
                 </a:solidFill>
               </a:rPr>
-              <a:t>,</a:t>
+              <a:t>;</a:t>
             </a:r>
           </a:p>
           <a:p>
@@ -34300,10 +34305,10 @@
       </p:sp>
       <p:pic>
         <p:nvPicPr>
-          <p:cNvPr id="5" name="Picture 4">
+          <p:cNvPr id="6" name="Picture 5">
             <a:extLst>
               <a:ext uri="{FF2B5EF4-FFF2-40B4-BE49-F238E27FC236}">
-                <a16:creationId xmlns:a16="http://schemas.microsoft.com/office/drawing/2014/main" id="{9B125360-FCFC-D4B4-0DE4-54D205519AF5}"/>
+                <a16:creationId xmlns:a16="http://schemas.microsoft.com/office/drawing/2014/main" id="{944AB39B-ED22-E060-7A9B-7DF7C80B898F}"/>
               </a:ext>
             </a:extLst>
           </p:cNvPr>
@@ -34320,8 +34325,8 @@
         </p:blipFill>
         <p:spPr>
           <a:xfrm>
-            <a:off x="293770" y="1959429"/>
-            <a:ext cx="5962551" cy="3144633"/>
+            <a:off x="277983" y="1959428"/>
+            <a:ext cx="6055973" cy="3157855"/>
           </a:xfrm>
           <a:prstGeom prst="rect">
             <a:avLst/>
@@ -34330,10 +34335,10 @@
       </p:pic>
       <p:sp>
         <p:nvSpPr>
-          <p:cNvPr id="10" name="Title 1">
+          <p:cNvPr id="5" name="Title 1">
             <a:extLst>
               <a:ext uri="{FF2B5EF4-FFF2-40B4-BE49-F238E27FC236}">
-                <a16:creationId xmlns:a16="http://schemas.microsoft.com/office/drawing/2014/main" id="{89AD120D-2826-9429-EFE8-F1B3A47CA198}"/>
+                <a16:creationId xmlns:a16="http://schemas.microsoft.com/office/drawing/2014/main" id="{C07ACB8E-AC65-8082-DD96-EA87DD70A884}"/>
               </a:ext>
             </a:extLst>
           </p:cNvPr>
@@ -34368,7 +34373,7 @@
     </p:spTree>
     <p:extLst>
       <p:ext uri="{BB962C8B-B14F-4D97-AF65-F5344CB8AC3E}">
-        <p14:creationId xmlns:p14="http://schemas.microsoft.com/office/powerpoint/2010/main" val="3348445109"/>
+        <p14:creationId xmlns:p14="http://schemas.microsoft.com/office/powerpoint/2010/main" val="935272698"/>
       </p:ext>
     </p:extLst>
   </p:cSld>
@@ -34824,39 +34829,13 @@
                   </a:schemeClr>
                 </a:solidFill>
               </a:rPr>
-              <a:t>Acceptable arguments: </a:t>
-            </a:r>
-            <a:r>
-              <a:rPr lang="pt-BR" sz="3200" dirty="0">
-                <a:solidFill>
-                  <a:schemeClr val="tx1">
-                    <a:lumMod val="65000"/>
-                    <a:lumOff val="35000"/>
-                  </a:schemeClr>
-                </a:solidFill>
-              </a:rPr>
-              <a:t>A, B, C, D, E, F, G | all arguments;</a:t>
+              <a:t>Conflict-free sets: {B, C}, {A, D}, {B, C, E, F};</a:t>
             </a:r>
           </a:p>
           <a:p>
             <a:r>
               <a:rPr lang="en-US" sz="3600" b="1" dirty="0"/>
-              <a:t>Conflict-free sets: </a:t>
-            </a:r>
-            <a:r>
-              <a:rPr lang="en-US" sz="3200" dirty="0">
-                <a:solidFill>
-                  <a:schemeClr val="tx1">
-                    <a:lumMod val="65000"/>
-                    <a:lumOff val="35000"/>
-                  </a:schemeClr>
-                </a:solidFill>
-              </a:rPr>
-              <a:t>{B, C}, {A, D}, </a:t>
-            </a:r>
-            <a:r>
-              <a:rPr lang="en-US" sz="3600" b="1" dirty="0"/>
-              <a:t>{B, C, E, F}</a:t>
+              <a:t>Stable extensions: {A, E, F}</a:t>
             </a:r>
             <a:r>
               <a:rPr lang="en-US" sz="3200" dirty="0">
@@ -34878,36 +34857,6 @@
           </a:p>
         </p:txBody>
       </p:sp>
-      <p:pic>
-        <p:nvPicPr>
-          <p:cNvPr id="6" name="Picture 5">
-            <a:extLst>
-              <a:ext uri="{FF2B5EF4-FFF2-40B4-BE49-F238E27FC236}">
-                <a16:creationId xmlns:a16="http://schemas.microsoft.com/office/drawing/2014/main" id="{944AB39B-ED22-E060-7A9B-7DF7C80B898F}"/>
-              </a:ext>
-            </a:extLst>
-          </p:cNvPr>
-          <p:cNvPicPr>
-            <a:picLocks noChangeAspect="1"/>
-          </p:cNvPicPr>
-          <p:nvPr/>
-        </p:nvPicPr>
-        <p:blipFill>
-          <a:blip r:embed="rId2"/>
-          <a:stretch>
-            <a:fillRect/>
-          </a:stretch>
-        </p:blipFill>
-        <p:spPr>
-          <a:xfrm>
-            <a:off x="277983" y="1959428"/>
-            <a:ext cx="6055973" cy="3157855"/>
-          </a:xfrm>
-          <a:prstGeom prst="rect">
-            <a:avLst/>
-          </a:prstGeom>
-        </p:spPr>
-      </p:pic>
       <p:sp>
         <p:nvSpPr>
           <p:cNvPr id="5" name="Title 1">
@@ -34945,10 +34894,40 @@
           </a:p>
         </p:txBody>
       </p:sp>
+      <p:pic>
+        <p:nvPicPr>
+          <p:cNvPr id="2" name="Picture 1">
+            <a:extLst>
+              <a:ext uri="{FF2B5EF4-FFF2-40B4-BE49-F238E27FC236}">
+                <a16:creationId xmlns:a16="http://schemas.microsoft.com/office/drawing/2014/main" id="{2A6BE104-1922-820B-C5E4-59846177B9E4}"/>
+              </a:ext>
+            </a:extLst>
+          </p:cNvPr>
+          <p:cNvPicPr>
+            <a:picLocks noChangeAspect="1"/>
+          </p:cNvPicPr>
+          <p:nvPr/>
+        </p:nvPicPr>
+        <p:blipFill>
+          <a:blip r:embed="rId2"/>
+          <a:stretch>
+            <a:fillRect/>
+          </a:stretch>
+        </p:blipFill>
+        <p:spPr>
+          <a:xfrm>
+            <a:off x="339341" y="1984442"/>
+            <a:ext cx="5948849" cy="3116064"/>
+          </a:xfrm>
+          <a:prstGeom prst="rect">
+            <a:avLst/>
+          </a:prstGeom>
+        </p:spPr>
+      </p:pic>
     </p:spTree>
     <p:extLst>
       <p:ext uri="{BB962C8B-B14F-4D97-AF65-F5344CB8AC3E}">
-        <p14:creationId xmlns:p14="http://schemas.microsoft.com/office/powerpoint/2010/main" val="935272698"/>
+        <p14:creationId xmlns:p14="http://schemas.microsoft.com/office/powerpoint/2010/main" val="3195152326"/>
       </p:ext>
     </p:extLst>
   </p:cSld>
@@ -35404,18 +35383,7 @@
                   </a:schemeClr>
                 </a:solidFill>
               </a:rPr>
-              <a:t>Acceptable arguments: </a:t>
-            </a:r>
-            <a:r>
-              <a:rPr lang="pt-BR" sz="3200" dirty="0">
-                <a:solidFill>
-                  <a:schemeClr val="tx1">
-                    <a:lumMod val="65000"/>
-                    <a:lumOff val="35000"/>
-                  </a:schemeClr>
-                </a:solidFill>
-              </a:rPr>
-              <a:t>A, B, C, D, E, F, G | all arguments;</a:t>
+              <a:t>Conflict-free sets: {B, C}, {A, D}, {B, C, E, F};</a:t>
             </a:r>
           </a:p>
           <a:p>
@@ -35428,16 +35396,16 @@
                   </a:schemeClr>
                 </a:solidFill>
               </a:rPr>
-              <a:t>Conflict-free sets: {B, C}, {A, D}, {B, C, E, F};</a:t>
+              <a:t>Stable extensions: {A, E, F};</a:t>
             </a:r>
           </a:p>
           <a:p>
             <a:r>
               <a:rPr lang="en-US" sz="3600" b="1" dirty="0"/>
-              <a:t>Admissible: {B, C, E}</a:t>
+              <a:t>Admissible: {B, C, E, F}</a:t>
             </a:r>
             <a:r>
-              <a:rPr lang="en-US" sz="3200" dirty="0">
+              <a:rPr lang="en-US" sz="2800" dirty="0">
                 <a:solidFill>
                   <a:schemeClr val="tx1">
                     <a:lumMod val="65000"/>
@@ -35447,6 +35415,19 @@
               </a:rPr>
               <a:t>,</a:t>
             </a:r>
+            <a:endParaRPr lang="en-US" sz="2800" dirty="0"/>
+          </a:p>
+          <a:p>
+            <a:endParaRPr lang="en-US" sz="3200" dirty="0">
+              <a:solidFill>
+                <a:schemeClr val="tx1">
+                  <a:lumMod val="65000"/>
+                  <a:lumOff val="35000"/>
+                </a:schemeClr>
+              </a:solidFill>
+            </a:endParaRPr>
+          </a:p>
+          <a:p>
             <a:endParaRPr lang="en-US" sz="3200" dirty="0"/>
           </a:p>
           <a:p>
@@ -35456,10 +35437,10 @@
       </p:sp>
       <p:pic>
         <p:nvPicPr>
-          <p:cNvPr id="5" name="Picture 4">
+          <p:cNvPr id="6" name="Picture 5">
             <a:extLst>
               <a:ext uri="{FF2B5EF4-FFF2-40B4-BE49-F238E27FC236}">
-                <a16:creationId xmlns:a16="http://schemas.microsoft.com/office/drawing/2014/main" id="{8E9FAD83-9FDF-599E-2A72-114BDC930E0C}"/>
+                <a16:creationId xmlns:a16="http://schemas.microsoft.com/office/drawing/2014/main" id="{944AB39B-ED22-E060-7A9B-7DF7C80B898F}"/>
               </a:ext>
             </a:extLst>
           </p:cNvPr>
@@ -35476,8 +35457,8 @@
         </p:blipFill>
         <p:spPr>
           <a:xfrm>
-            <a:off x="318578" y="1984442"/>
-            <a:ext cx="5946266" cy="3149620"/>
+            <a:off x="277983" y="1959428"/>
+            <a:ext cx="6055973" cy="3157855"/>
           </a:xfrm>
           <a:prstGeom prst="rect">
             <a:avLst/>
@@ -35486,10 +35467,10 @@
       </p:pic>
       <p:sp>
         <p:nvSpPr>
-          <p:cNvPr id="6" name="Title 1">
+          <p:cNvPr id="5" name="Title 1">
             <a:extLst>
               <a:ext uri="{FF2B5EF4-FFF2-40B4-BE49-F238E27FC236}">
-                <a16:creationId xmlns:a16="http://schemas.microsoft.com/office/drawing/2014/main" id="{8A80B8ED-C5B5-5C8E-FB86-44E3E8ED0C21}"/>
+                <a16:creationId xmlns:a16="http://schemas.microsoft.com/office/drawing/2014/main" id="{C07ACB8E-AC65-8082-DD96-EA87DD70A884}"/>
               </a:ext>
             </a:extLst>
           </p:cNvPr>
@@ -35524,7 +35505,7 @@
     </p:spTree>
     <p:extLst>
       <p:ext uri="{BB962C8B-B14F-4D97-AF65-F5344CB8AC3E}">
-        <p14:creationId xmlns:p14="http://schemas.microsoft.com/office/powerpoint/2010/main" val="963238614"/>
+        <p14:creationId xmlns:p14="http://schemas.microsoft.com/office/powerpoint/2010/main" val="1583986415"/>
       </p:ext>
     </p:extLst>
   </p:cSld>
@@ -35980,18 +35961,7 @@
                   </a:schemeClr>
                 </a:solidFill>
               </a:rPr>
-              <a:t>Acceptable arguments: </a:t>
-            </a:r>
-            <a:r>
-              <a:rPr lang="pt-BR" sz="3200" dirty="0">
-                <a:solidFill>
-                  <a:schemeClr val="tx1">
-                    <a:lumMod val="65000"/>
-                    <a:lumOff val="35000"/>
-                  </a:schemeClr>
-                </a:solidFill>
-              </a:rPr>
-              <a:t>A, B, C, D, E, F, G | all arguments;</a:t>
+              <a:t>Conflict-free sets: {B, C}, {A, D}, {B, C, E, F};</a:t>
             </a:r>
           </a:p>
           <a:p>
@@ -36004,7 +35974,7 @@
                   </a:schemeClr>
                 </a:solidFill>
               </a:rPr>
-              <a:t>Conflict-free sets: {B, C}, {A, D}, {B, C, E, F};</a:t>
+              <a:t>Stable extensions: {A, E, F};</a:t>
             </a:r>
           </a:p>
           <a:p>
@@ -36025,7 +35995,7 @@
                   </a:schemeClr>
                 </a:solidFill>
               </a:rPr>
-              <a:t>{B, C, E}, </a:t>
+              <a:t>{B, C, E, F}, </a:t>
             </a:r>
             <a:r>
               <a:rPr lang="en-US" sz="3600" b="1" dirty="0"/>

--- a/Argumentation framework.pptx
+++ b/Argumentation framework.pptx
@@ -6227,7 +6227,7 @@
         <a:p>
           <a:r>
             <a:rPr lang="en-US" sz="2300" dirty="0"/>
-            <a:t>Extend the algorithm to solve two more properties of an Argumentation Framework:</a:t>
+            <a:t>Extend the algorithm to solve one more property of an Argumentation Framework:</a:t>
           </a:r>
         </a:p>
       </dgm:t>
@@ -6255,42 +6255,6 @@
             <a:t>1</a:t>
           </a:r>
           <a:endParaRPr lang="en-US" dirty="0"/>
-        </a:p>
-      </dgm:t>
-    </dgm:pt>
-    <dgm:pt modelId="{B07D6969-71B6-4A21-BCDD-73308719A4F9}">
-      <dgm:prSet custT="1"/>
-      <dgm:spPr/>
-      <dgm:t>
-        <a:bodyPr/>
-        <a:lstStyle/>
-        <a:p>
-          <a:r>
-            <a:rPr lang="en-US" sz="2300" dirty="0"/>
-            <a:t>Semi-stable extensions;</a:t>
-          </a:r>
-        </a:p>
-      </dgm:t>
-    </dgm:pt>
-    <dgm:pt modelId="{BB5B50FE-9B3A-4822-952B-38701318AF41}" type="parTrans" cxnId="{4FC690CE-7C89-4707-8552-85C5D284C9E8}">
-      <dgm:prSet/>
-      <dgm:spPr/>
-      <dgm:t>
-        <a:bodyPr/>
-        <a:lstStyle/>
-        <a:p>
-          <a:endParaRPr lang="en-US"/>
-        </a:p>
-      </dgm:t>
-    </dgm:pt>
-    <dgm:pt modelId="{81EC6C43-2590-46CA-8D4B-9B0F8A3AE238}" type="sibTrans" cxnId="{4FC690CE-7C89-4707-8552-85C5D284C9E8}">
-      <dgm:prSet/>
-      <dgm:spPr/>
-      <dgm:t>
-        <a:bodyPr/>
-        <a:lstStyle/>
-        <a:p>
-          <a:endParaRPr lang="en-US"/>
         </a:p>
       </dgm:t>
     </dgm:pt>
@@ -6540,15 +6504,13 @@
     <dgm:cxn modelId="{1DECFF35-9B85-454E-9F28-7B693775C175}" type="presOf" srcId="{AE86487B-7E14-42DB-A6D2-AA1A60C574F5}" destId="{11292785-F742-4FC8-AA84-C3EB9FE6A4AE}" srcOrd="0" destOrd="0" presId="urn:microsoft.com/office/officeart/2016/7/layout/BasicLinearProcessNumbered"/>
     <dgm:cxn modelId="{04DB933C-1ADB-495A-B567-E6464BDA640A}" type="presOf" srcId="{DD1CF153-96EE-4349-A7DE-18609C562D28}" destId="{0827B364-9980-47A6-8DB0-F732E1D07A87}" srcOrd="0" destOrd="0" presId="urn:microsoft.com/office/officeart/2016/7/layout/BasicLinearProcessNumbered"/>
     <dgm:cxn modelId="{A7020866-2C21-4974-8433-4999B51986F9}" type="presOf" srcId="{DD1CF153-96EE-4349-A7DE-18609C562D28}" destId="{13222E49-C23D-4F7E-95AD-39BFBDF1FAD5}" srcOrd="1" destOrd="0" presId="urn:microsoft.com/office/officeart/2016/7/layout/BasicLinearProcessNumbered"/>
-    <dgm:cxn modelId="{5CA3EA48-0ADA-4BE7-985B-5AE2FB95E674}" type="presOf" srcId="{B07D6969-71B6-4A21-BCDD-73308719A4F9}" destId="{E87D8C63-CF2F-4445-B1A2-D3A031CA429A}" srcOrd="0" destOrd="1" presId="urn:microsoft.com/office/officeart/2016/7/layout/BasicLinearProcessNumbered"/>
     <dgm:cxn modelId="{936B9870-6A62-4561-8989-B83472843DAD}" type="presOf" srcId="{216A8BA2-A0B5-41AC-925A-E75D99F66566}" destId="{E87D8C63-CF2F-4445-B1A2-D3A031CA429A}" srcOrd="1" destOrd="0" presId="urn:microsoft.com/office/officeart/2016/7/layout/BasicLinearProcessNumbered"/>
     <dgm:cxn modelId="{095B3E55-B343-4853-9B42-76CA0B090130}" type="presOf" srcId="{B93380F4-0497-4891-AEA0-8FF34235AC77}" destId="{7D7D5805-E6AA-4C74-A9EA-3A0737EC1A16}" srcOrd="0" destOrd="0" presId="urn:microsoft.com/office/officeart/2016/7/layout/BasicLinearProcessNumbered"/>
     <dgm:cxn modelId="{358C1656-6885-416E-A73E-88B054831979}" type="presOf" srcId="{F2D64C0E-AA7A-499C-B01B-021014C8BC72}" destId="{A7B2E926-1481-4088-9646-4561C53C2793}" srcOrd="0" destOrd="0" presId="urn:microsoft.com/office/officeart/2016/7/layout/BasicLinearProcessNumbered"/>
     <dgm:cxn modelId="{8A11468F-1E18-416C-B935-FFA9F95E9619}" type="presOf" srcId="{216A8BA2-A0B5-41AC-925A-E75D99F66566}" destId="{7EBBDF15-2736-4E0D-BEB1-CC4A0973D84A}" srcOrd="0" destOrd="0" presId="urn:microsoft.com/office/officeart/2016/7/layout/BasicLinearProcessNumbered"/>
-    <dgm:cxn modelId="{534C3596-2040-406D-A86A-0674D2146FAD}" srcId="{216A8BA2-A0B5-41AC-925A-E75D99F66566}" destId="{EA46DAE3-68F6-4A45-A0A4-86FFBCBE5F48}" srcOrd="1" destOrd="0" parTransId="{D2144DB0-840F-4A13-AE41-1689A01348F1}" sibTransId="{B4FE524B-7204-4EC8-9B32-B0F2507AB242}"/>
-    <dgm:cxn modelId="{04455FAF-1494-4973-9F4B-7F6CE2F7BF1F}" type="presOf" srcId="{EA46DAE3-68F6-4A45-A0A4-86FFBCBE5F48}" destId="{E87D8C63-CF2F-4445-B1A2-D3A031CA429A}" srcOrd="0" destOrd="2" presId="urn:microsoft.com/office/officeart/2016/7/layout/BasicLinearProcessNumbered"/>
+    <dgm:cxn modelId="{534C3596-2040-406D-A86A-0674D2146FAD}" srcId="{216A8BA2-A0B5-41AC-925A-E75D99F66566}" destId="{EA46DAE3-68F6-4A45-A0A4-86FFBCBE5F48}" srcOrd="0" destOrd="0" parTransId="{D2144DB0-840F-4A13-AE41-1689A01348F1}" sibTransId="{B4FE524B-7204-4EC8-9B32-B0F2507AB242}"/>
+    <dgm:cxn modelId="{04455FAF-1494-4973-9F4B-7F6CE2F7BF1F}" type="presOf" srcId="{EA46DAE3-68F6-4A45-A0A4-86FFBCBE5F48}" destId="{E87D8C63-CF2F-4445-B1A2-D3A031CA429A}" srcOrd="0" destOrd="1" presId="urn:microsoft.com/office/officeart/2016/7/layout/BasicLinearProcessNumbered"/>
     <dgm:cxn modelId="{389974B4-7D9A-4EC9-BB44-BB158F8EE97A}" srcId="{B93380F4-0497-4891-AEA0-8FF34235AC77}" destId="{DD1CF153-96EE-4349-A7DE-18609C562D28}" srcOrd="2" destOrd="0" parTransId="{3738FBD5-836E-4F9A-B410-1926C5A3C0FF}" sibTransId="{491588F2-2670-490C-ADD8-471D38FD0FF9}"/>
-    <dgm:cxn modelId="{4FC690CE-7C89-4707-8552-85C5D284C9E8}" srcId="{216A8BA2-A0B5-41AC-925A-E75D99F66566}" destId="{B07D6969-71B6-4A21-BCDD-73308719A4F9}" srcOrd="0" destOrd="0" parTransId="{BB5B50FE-9B3A-4822-952B-38701318AF41}" sibTransId="{81EC6C43-2590-46CA-8D4B-9B0F8A3AE238}"/>
     <dgm:cxn modelId="{2E9F9CDC-969C-4109-9497-9225EBC0CF8C}" type="presOf" srcId="{E2EB5B12-7558-4CAA-9EC7-E724FCB8740D}" destId="{CA8D5C8E-BD3E-4A88-A095-0CE1BF9FC6BC}" srcOrd="0" destOrd="0" presId="urn:microsoft.com/office/officeart/2016/7/layout/BasicLinearProcessNumbered"/>
     <dgm:cxn modelId="{6D1AF8F6-1128-486B-93FA-3FD1C7292764}" type="presOf" srcId="{AE86487B-7E14-42DB-A6D2-AA1A60C574F5}" destId="{294D6B87-B28F-4FD7-B4CB-7291AE63A080}" srcOrd="1" destOrd="0" presId="urn:microsoft.com/office/officeart/2016/7/layout/BasicLinearProcessNumbered"/>
     <dgm:cxn modelId="{D00F40E5-5E66-4D85-91D9-FD5F9743A065}" type="presParOf" srcId="{7D7D5805-E6AA-4C74-A9EA-3A0737EC1A16}" destId="{730F5687-A651-47C8-A55F-BC1B2C2B9B70}" srcOrd="0" destOrd="0" presId="urn:microsoft.com/office/officeart/2016/7/layout/BasicLinearProcessNumbered"/>
@@ -8032,25 +7994,7 @@
           </a:pPr>
           <a:r>
             <a:rPr lang="en-US" sz="2300" kern="1200" dirty="0"/>
-            <a:t>Extend the algorithm to solve two more properties of an Argumentation Framework:</a:t>
-          </a:r>
-        </a:p>
-        <a:p>
-          <a:pPr marL="228600" lvl="1" indent="-228600" algn="l" defTabSz="1022350">
-            <a:lnSpc>
-              <a:spcPct val="90000"/>
-            </a:lnSpc>
-            <a:spcBef>
-              <a:spcPct val="0"/>
-            </a:spcBef>
-            <a:spcAft>
-              <a:spcPct val="15000"/>
-            </a:spcAft>
-            <a:buChar char="•"/>
-          </a:pPr>
-          <a:r>
-            <a:rPr lang="en-US" sz="2300" kern="1200" dirty="0"/>
-            <a:t>Semi-stable extensions;</a:t>
+            <a:t>Extend the algorithm to solve one more property of an Argumentation Framework:</a:t>
           </a:r>
         </a:p>
         <a:p>
@@ -14481,146 +14425,6 @@
           <inkml:channelProperty channel="F" name="resolution" value="0" units="1/dev"/>
         </inkml:channelProperties>
       </inkml:inkSource>
-      <inkml:timestamp xml:id="ts0" timeString="2023-07-03T17:40:55.747"/>
-    </inkml:context>
-    <inkml:brush xml:id="br0">
-      <inkml:brushProperty name="width" value="0.35" units="cm"/>
-      <inkml:brushProperty name="height" value="0.35" units="cm"/>
-      <inkml:brushProperty name="color" value="#FFFFFF"/>
-    </inkml:brush>
-  </inkml:definitions>
-  <inkml:trace contextRef="#ctx0" brushRef="#br0">116 1087 24575,'0'-93'0,"4"-1"0,5 1 0,28-131 0,-23 185 0,-14 39 0,0-1 0,1 1 0,-1-1 0,0 1 0,1-1 0,-1 1 0,1 0 0,-1-1 0,0 1 0,1 0 0,-1-1 0,1 1 0,-1 0 0,1 0 0,-1-1 0,1 1 0,-1 0 0,1 0 0,-1 0 0,1 0 0,-1 0 0,1-1 0,-1 1 0,1 0 0,0 0 0,0 1 0,0-1 0,1 1 0,-1 0 0,0-1 0,0 1 0,0 0 0,0 0 0,0 0 0,0-1 0,0 1 0,-1 0 0,1 0 0,0 0 0,0 1 0,0 1 0,11 21 0,-1 0 0,-1 1 0,-2 0 0,0 1 0,5 37 0,2 0 0,1 5 0,-2 0 0,4 85 0,-22-189 0,-2-1 0,-1 1 0,-17-47 0,-52-129 0,-6-16 0,60 135 0,14 57 0,-14-41 0,2 4 0,17 55 0,-2 0 0,0 1 0,-2-1 0,-10-22 0,13 33-151,0 1-1,1-1 0,0 1 0,1-1 1,-1 0-1,1 0 0,1 0 1,-2-8-1</inkml:trace>
-</inkml:ink>
-</file>
-
-<file path=ppt/ink/ink2.xml><?xml version="1.0" encoding="utf-8"?>
-<inkml:ink xmlns:inkml="http://www.w3.org/2003/InkML">
-  <inkml:definitions>
-    <inkml:context xml:id="ctx0">
-      <inkml:inkSource xml:id="inkSrc0">
-        <inkml:traceFormat>
-          <inkml:channel name="X" type="integer" min="-2.14748E9" max="2.14748E9" units="cm"/>
-          <inkml:channel name="Y" type="integer" min="-2.14748E9" max="2.14748E9" units="cm"/>
-          <inkml:channel name="F" type="integer" max="32767" units="dev"/>
-        </inkml:traceFormat>
-        <inkml:channelProperties>
-          <inkml:channelProperty channel="X" name="resolution" value="1000" units="1/cm"/>
-          <inkml:channelProperty channel="Y" name="resolution" value="1000" units="1/cm"/>
-          <inkml:channelProperty channel="F" name="resolution" value="0" units="1/dev"/>
-        </inkml:channelProperties>
-      </inkml:inkSource>
-      <inkml:timestamp xml:id="ts0" timeString="2023-07-03T17:40:57.363"/>
-    </inkml:context>
-    <inkml:brush xml:id="br0">
-      <inkml:brushProperty name="width" value="0.35" units="cm"/>
-      <inkml:brushProperty name="height" value="0.35" units="cm"/>
-      <inkml:brushProperty name="color" value="#FFFFFF"/>
-    </inkml:brush>
-  </inkml:definitions>
-  <inkml:trace contextRef="#ctx0" brushRef="#br0">42 1 24575,'0'4'0,"0"6"0,5 7 0,1 4 0,0 3 0,-2 2 0,-1 2 0,-1 0 0,-5-5 0,-3-11 0,1-16 0,0-12 0,-3-8 0,0-4 0,-4-3 0,1 1 0,2-1 0</inkml:trace>
-</inkml:ink>
-</file>
-
-<file path=ppt/ink/ink3.xml><?xml version="1.0" encoding="utf-8"?>
-<inkml:ink xmlns:inkml="http://www.w3.org/2003/InkML">
-  <inkml:definitions>
-    <inkml:context xml:id="ctx0">
-      <inkml:inkSource xml:id="inkSrc0">
-        <inkml:traceFormat>
-          <inkml:channel name="X" type="integer" min="-2.14748E9" max="2.14748E9" units="cm"/>
-          <inkml:channel name="Y" type="integer" min="-2.14748E9" max="2.14748E9" units="cm"/>
-          <inkml:channel name="F" type="integer" max="32767" units="dev"/>
-        </inkml:traceFormat>
-        <inkml:channelProperties>
-          <inkml:channelProperty channel="X" name="resolution" value="1000" units="1/cm"/>
-          <inkml:channelProperty channel="Y" name="resolution" value="1000" units="1/cm"/>
-          <inkml:channelProperty channel="F" name="resolution" value="0" units="1/dev"/>
-        </inkml:channelProperties>
-      </inkml:inkSource>
-      <inkml:timestamp xml:id="ts0" timeString="2023-07-03T17:41:02.618"/>
-    </inkml:context>
-    <inkml:brush xml:id="br0">
-      <inkml:brushProperty name="width" value="0.35" units="cm"/>
-      <inkml:brushProperty name="height" value="0.35" units="cm"/>
-      <inkml:brushProperty name="color" value="#FFFFFF"/>
-    </inkml:brush>
-  </inkml:definitions>
-  <inkml:trace contextRef="#ctx0" brushRef="#br0">82 98 24575,'-1'-4'0,"-1"-1"0,0 1 0,0 0 0,0 1 0,-1-1 0,1 0 0,-1 1 0,0-1 0,0 1 0,0 0 0,-6-4 0,-10-14 0,14 14 0,-12-14 0,12 23 0,5 16 0,0-10 0,2 0 0,-1 0 0,1 0 0,0 0 0,1 0 0,3 8 0,-6-16 0,0 0 0,0 0 0,0 0 0,0 0 0,0 0 0,0 0 0,0 1 0,1-1 0,-1 0 0,0 0 0,0 0 0,0 0 0,0 0 0,0 0 0,0 0 0,0 0 0,0 1 0,0-1 0,0 0 0,0 0 0,0 0 0,1 0 0,-1 0 0,0 0 0,0 0 0,0 0 0,0 0 0,0 0 0,0 0 0,0 0 0,1 0 0,-1 0 0,0 0 0,0 0 0,0 0 0,0 0 0,0 0 0,0 0 0,1 0 0,-1 0 0,0 0 0,0 0 0,0 0 0,0 0 0,0 0 0,0 0 0,1 0 0,-1 0 0,0 0 0,0 0 0,0 0 0,0 0 0,0 0 0,0 0 0,0 0 0,0-1 0,0 1 0,1 0 0,3-9 0,-1 4 0,-2 23 0,0-1 0,0 0 0,1 0 0,0-1 0,2 1 0,0-1 0,8 22 0,48 88 0,-32-70 0,24 55 0,-46-98 0,-1 1 0,0 0 0,-1 0 0,0 0 0,2 25 0,1 1 0,-6-39 0,6 36 0,2 1 0,1-1 0,2-1 0,18 36 0,-19-49 0,-9-16 0,1-1 0,0 0 0,0 0 0,1-1 0,-1 1 0,8 7 0,-8-10 0,0-1 0,0 0 0,1 0 0,-1 0 0,0 0 0,1-1 0,-1 1 0,1-1 0,0 0 0,-1 0 0,1 0 0,0 0 0,0-1 0,6 0 0,2 1 0,61 1 0,-69-2 0,0-1 0,0 1 0,1-1 0,-1 1 0,0-1 0,0 0 0,0-1 0,0 1 0,0-1 0,0 0 0,0 0 0,-1 0 0,6-4 0,-8 5 0,-1 1 0,1-1 0,-1 0 0,1 0 0,-1 0 0,0 1 0,0-1 0,1 0 0,-1 0 0,0 0 0,0 0 0,0 0 0,0 0 0,0 0 0,0 0 0,0 1 0,0-1 0,0 0 0,0 0 0,0 0 0,-1 0 0,1 0 0,0 0 0,-1 1 0,1-1 0,-1 0 0,1 0 0,-1 1 0,1-1 0,-1 0 0,1 0 0,-1 1 0,0-1 0,1 1 0,-1-1 0,0 0 0,1 1 0,-1 0 0,0-1 0,0 1 0,0-1 0,-1 1 0,-45-25 0,37 20 0,-19-9 0,1 1 0,-39-26 0,58 32 0,0 0 0,0 0 0,1 0 0,0-1 0,1 0 0,0-1 0,-12-18 0,-1-11 0,3 0 0,-22-67 0,36 97 0,2 6 0,1 0 0,-1 0 0,0 0 0,1-1 0,-1 1 0,1 0 0,0 0 0,0 0 0,0-1 0,0 1 0,0 0 0,0 0 0,1 0 0,-1-1 0,1 1 0,-1 0 0,1 0 0,0 0 0,0 0 0,0 0 0,0 0 0,0 0 0,0 0 0,1 1 0,-1-1 0,1 0 0,-1 1 0,1-1 0,2-1 0,-1 1 0,-1 1 0,1-1 0,0 1 0,0 0 0,1 0 0,-1 0 0,0 0 0,0 0 0,0 1 0,1 0 0,-1-1 0,0 1 0,0 0 0,1 1 0,-1-1 0,0 1 0,0-1 0,1 1 0,4 2 0,-3 0-91,-1 0 0,0 0 0,0 0 0,0 0 0,-1 1 0,1-1 0,-1 1 0,0 0 0,0 0 0,0 0 0,-1 0 0,1 1 0,-1-1 0,2 8 0</inkml:trace>
-</inkml:ink>
-</file>
-
-<file path=ppt/ink/ink4.xml><?xml version="1.0" encoding="utf-8"?>
-<inkml:ink xmlns:inkml="http://www.w3.org/2003/InkML">
-  <inkml:definitions>
-    <inkml:context xml:id="ctx0">
-      <inkml:inkSource xml:id="inkSrc0">
-        <inkml:traceFormat>
-          <inkml:channel name="X" type="integer" min="-2.14748E9" max="2.14748E9" units="cm"/>
-          <inkml:channel name="Y" type="integer" min="-2.14748E9" max="2.14748E9" units="cm"/>
-          <inkml:channel name="F" type="integer" max="32767" units="dev"/>
-        </inkml:traceFormat>
-        <inkml:channelProperties>
-          <inkml:channelProperty channel="X" name="resolution" value="1000" units="1/cm"/>
-          <inkml:channelProperty channel="Y" name="resolution" value="1000" units="1/cm"/>
-          <inkml:channelProperty channel="F" name="resolution" value="0" units="1/dev"/>
-        </inkml:channelProperties>
-      </inkml:inkSource>
-      <inkml:timestamp xml:id="ts0" timeString="2023-07-03T17:41:08.611"/>
-    </inkml:context>
-    <inkml:brush xml:id="br0">
-      <inkml:brushProperty name="width" value="0.35" units="cm"/>
-      <inkml:brushProperty name="height" value="0.35" units="cm"/>
-      <inkml:brushProperty name="color" value="#FFFFFF"/>
-    </inkml:brush>
-  </inkml:definitions>
-  <inkml:trace contextRef="#ctx0" brushRef="#br0">971 543 24575,'-26'22'0,"-1"0"0,-1-2 0,-35 19 0,63-38 0,-1-1 0,1 0 0,-1 0 0,1 0 0,-1 0 0,1 1 0,0-1 0,-1 0 0,1 0 0,-1 0 0,1 0 0,-1 0 0,1 0 0,-1 0 0,1 0 0,-1 0 0,1 0 0,0-1 0,-1 1 0,1 0 0,-1 0 0,1 0 0,-1 0 0,1-1 0,0 1 0,-1 0 0,1 0 0,0-1 0,-1 1 0,1 0 0,0-1 0,-1 1 0,1 0 0,-1-1 0,-3-20 0,8-20 0,-3 38 0,0 0 0,-1 1 0,1-1 0,-1 0 0,1 0 0,-1 1 0,0-1 0,0 0 0,0 0 0,0 0 0,0 1 0,-1-1 0,1 0 0,-1 0 0,0 1 0,-2-5 0,2 5 0,-1 1 0,1-1 0,-1 1 0,1 0 0,-1 0 0,0 0 0,0 0 0,1 0 0,-1 0 0,0 0 0,0 1 0,0-1 0,0 1 0,0-1 0,0 1 0,0 0 0,0 0 0,0 0 0,0 0 0,0 0 0,0 0 0,0 1 0,0-1 0,-3 1 0,-5 2 0,0 0 0,0 1 0,1 0 0,-1 0 0,1 1 0,0 0 0,0 1 0,1-1 0,-1 2 0,-11 11 0,-21 15 0,157-161 0,-115 127 0,0 0 0,1 0 0,-1-1 0,0 1 0,0 0 0,0 0 0,0-1 0,0 1 0,-1-1 0,1 1 0,0 0 0,-1-1 0,1 0 0,-1 1 0,1-1 0,-1 1 0,0-1 0,1 0 0,-1 1 0,0-3 0,-1 3 0,1 0 0,-1 0 0,0 0 0,1 0 0,-1 0 0,0 0 0,0 0 0,1 0 0,-1 0 0,0 1 0,0-1 0,0 0 0,0 1 0,0-1 0,0 1 0,0-1 0,-1 1 0,1-1 0,0 1 0,0 0 0,-1-1 0,-12-1 0,0 0 0,0 1 0,-26 0 0,24 1 0,-145 5 0,136-3 0,-1 1 0,2 2 0,-1 0 0,-31 12 0,199-100 0,-78 43 0,-21 10 0,62-54 0,-42 32 0,-35 23 0,-28 29 0,-1-1 0,0 1 0,0 0 0,0 0 0,0 0 0,1-1 0,-1 1 0,0 0 0,0 0 0,0 0 0,0-1 0,0 1 0,0 0 0,0 0 0,0-1 0,0 1 0,0 0 0,0 0 0,0-1 0,0 1 0,0 0 0,0 0 0,0-1 0,0 1 0,0 0 0,0 0 0,0-1 0,0 1 0,0 0 0,0 0 0,0 0 0,-1-1 0,1 1 0,0 0 0,0 0 0,0 0 0,0-1 0,-1 1 0,1 0 0,0 0 0,-1 0 0,-22 1 0,-23 13 0,1 2 0,-52 26 0,57-23 0,0-3 0,-1 0 0,-52 11 0,90-27 0,-16 4 0,1 0 0,-1-2 0,0 0 0,-23-1 0,41-1 0,1 0 0,-1 0 0,0 0 0,1 0 0,-1 0 0,0 0 0,0 0 0,1 0 0,-1 0 0,0 0 0,1-1 0,-1 1 0,0 0 0,1-1 0,-1 1 0,0 0 0,1-1 0,-1 1 0,1 0 0,-1-1 0,1 1 0,-1-1 0,1 0 0,-1 1 0,1-1 0,-1 1 0,1-1 0,0 1 0,-1-1 0,1 0 0,0 1 0,-1-2 0,1 0 0,1 0 0,-1 0 0,0 0 0,1 0 0,-1 1 0,1-1 0,-1 0 0,1 0 0,0 1 0,0-1 0,0 0 0,2-1 0,40-47 0,-39 47 0,23-24 0,36-38 0,-58 59 0,0 0 0,0 0 0,-1-1 0,0 0 0,0 0 0,-1 0 0,0 0 0,4-13 0,-7 18 0,0 1 0,0-1 0,0 1 0,0-1 0,0 0 0,0 1 0,-1-1 0,1 1 0,-1-1 0,1 1 0,-1-1 0,1 1 0,-1-1 0,0 1 0,0-1 0,0 1 0,0 0 0,0-1 0,0 1 0,0 0 0,0 0 0,0 0 0,0 0 0,-1 0 0,1 0 0,-1 0 0,1 0 0,0 1 0,-1-1 0,1 0 0,-1 1 0,1 0 0,-1-1 0,0 1 0,1 0 0,-1-1 0,-2 1 0,-11-2 0,0 0 0,0 1 0,-16 1 0,20 1 0,-31-3 0,25 1 0,0 0 0,0 1 0,1 0 0,-1 2 0,0 0 0,0 0 0,-30 11 0,44-12 0,1 0 0,-1 1 0,0-1 0,0 1 0,1 0 0,-1-1 0,1 1 0,0 1 0,0-1 0,0 0 0,0 1 0,0-1 0,0 1 0,0-1 0,1 1 0,-1 0 0,1-1 0,0 1 0,-1 4 0</inkml:trace>
-</inkml:ink>
-</file>
-
-<file path=ppt/ink/ink5.xml><?xml version="1.0" encoding="utf-8"?>
-<inkml:ink xmlns:inkml="http://www.w3.org/2003/InkML">
-  <inkml:definitions>
-    <inkml:context xml:id="ctx0">
-      <inkml:inkSource xml:id="inkSrc0">
-        <inkml:traceFormat>
-          <inkml:channel name="X" type="integer" min="-2.14748E9" max="2.14748E9" units="cm"/>
-          <inkml:channel name="Y" type="integer" min="-2.14748E9" max="2.14748E9" units="cm"/>
-          <inkml:channel name="F" type="integer" max="32767" units="dev"/>
-        </inkml:traceFormat>
-        <inkml:channelProperties>
-          <inkml:channelProperty channel="X" name="resolution" value="1000" units="1/cm"/>
-          <inkml:channelProperty channel="Y" name="resolution" value="1000" units="1/cm"/>
-          <inkml:channelProperty channel="F" name="resolution" value="0" units="1/dev"/>
-        </inkml:channelProperties>
-      </inkml:inkSource>
-      <inkml:timestamp xml:id="ts0" timeString="2023-07-03T17:41:13.496"/>
-    </inkml:context>
-    <inkml:brush xml:id="br0">
-      <inkml:brushProperty name="width" value="0.35" units="cm"/>
-      <inkml:brushProperty name="height" value="0.35" units="cm"/>
-      <inkml:brushProperty name="color" value="#FFFFFF"/>
-    </inkml:brush>
-  </inkml:definitions>
-  <inkml:trace contextRef="#ctx0" brushRef="#br0">134 291 24575,'-7'0'0,"-5"1"0,0-2 0,1 1 0,-1-1 0,0-1 0,-21-5 0,31 6 0,0 0 0,0 0 0,0 0 0,0 0 0,0 0 0,0 0 0,1 0 0,-1-1 0,0 1 0,1-1 0,-1 0 0,1 1 0,-1-1 0,1 0 0,0 0 0,0 0 0,0 0 0,0 0 0,0 0 0,0 0 0,1 0 0,-1 0 0,0 0 0,1 0 0,0 0 0,0-1 0,-1 1 0,1 0 0,1 0 0,-1 0 0,0-1 0,0 1 0,1 0 0,-1 0 0,1 0 0,0 0 0,0 0 0,1-3 0,0-2 0,1 1 0,0-1 0,0 1 0,1 0 0,0 0 0,0 0 0,0 0 0,1 1 0,0-1 0,8-6 0,-12 11 0,0 0 0,1 0 0,0 0 0,-1 0 0,1 0 0,-1 0 0,1 1 0,0-1 0,0 0 0,0 1 0,-1 0 0,1-1 0,0 1 0,0 0 0,0 0 0,0 0 0,3 0 0,-3 1 0,0 0 0,0 0 0,0 0 0,0 0 0,0 0 0,0 0 0,0 1 0,-1-1 0,1 1 0,0-1 0,-1 1 0,1 0 0,-1 0 0,0-1 0,0 1 0,1 0 0,-1 0 0,1 4 0,5 11 0,-1 0 0,-1 1 0,4 18 0,8 28 0,-17-64 0,0 1 0,0-1 0,-1 1 0,1-1 0,0 0 0,1 1 0,-1-1 0,0 1 0,0-1 0,0 1 0,0-1 0,0 1 0,0-1 0,0 1 0,1-1 0,-1 0 0,0 1 0,0-1 0,1 1 0,-1-1 0,0 0 0,1 1 0,-1-1 0,0 0 0,1 1 0,-1-1 0,1 0 0,-1 0 0,0 1 0,1-1 0,-1 0 0,1 0 0,-1 0 0,1 1 0,-1-1 0,1 0 0,-1 0 0,0 0 0,2 0 0,4-21 0,-1-34 0,-6-131 0,-1 216 0,0 54 0,2-77 0,1-1 0,-1 1 0,1-1 0,0 1 0,1-1 0,0 0 0,0 1 0,0-1 0,6 11 0,-8-16 0,0-1 0,1 1 0,-1-1 0,0 1 0,1-1 0,-1 0 0,0 1 0,1-1 0,-1 1 0,1-1 0,-1 0 0,0 1 0,1-1 0,-1 0 0,1 1 0,-1-1 0,1 0 0,-1 0 0,1 1 0,-1-1 0,1 0 0,0 0 0,-1 0 0,1 0 0,-1 0 0,1 0 0,-1 0 0,1 0 0,-1 0 0,1 0 0,0 0 0,-1 0 0,1 0 0,-1-1 0,1 1 0,-1 0 0,1 0 0,-1-1 0,1 1 0,-1 0 0,1 0 0,-1-1 0,1 1 0,-1-1 0,0 1 0,1 0 0,-1-1 0,0 1 0,1-1 0,-1 1 0,0-1 0,1 1 0,-1-1 0,0 1 0,0-1 0,0 1 0,0-1 0,1 1 0,-1-1 0,0 1 0,0-1 0,0-1 0,10-37 0,-7 18 0,1 1 0,1 0 0,11-30 0,-13 42 0,0 1 0,0 0 0,1 1 0,0-1 0,1 1 0,-1-1 0,1 1 0,0 1 0,1-1 0,-1 1 0,1 0 0,10-7 0,-15 11 0,0 0 0,-1 1 0,1-1 0,0 1 0,0-1 0,0 1 0,0 0 0,-1-1 0,1 1 0,0 0 0,0 0 0,0-1 0,0 1 0,0 0 0,0 0 0,0 0 0,0 0 0,0 0 0,0 0 0,0 0 0,0 1 0,0-1 0,0 0 0,-1 0 0,1 1 0,0-1 0,0 1 0,0-1 0,0 1 0,0 0 0,1 1 0,-1 0 0,1 0 0,-1 0 0,0 0 0,0 0 0,0 0 0,0 0 0,0 1 0,0-1 0,-1 0 0,1 6 0,1 9 0,-1 0 0,-1 30 0,-1-39 0,-1 45 0,-1-10 0,5 55 0,-2-95 0,1-1 0,-1 1 0,1 0 0,0 0 0,0-1 0,0 1 0,0-1 0,0 1 0,1-1 0,-1 1 0,1-1 0,2 4 0,-3-6 0,-1 1 0,1-1 0,-1 0 0,1 1 0,-1-1 0,1 0 0,-1 1 0,1-1 0,-1 0 0,1 0 0,-1 1 0,1-1 0,-1 0 0,1 0 0,0 0 0,-1 0 0,1 0 0,-1 0 0,1 0 0,0 0 0,-1 0 0,1 0 0,0 0 0,1-1 0,-1 1 0,0-1 0,0 0 0,0 0 0,0 1 0,0-1 0,0 0 0,0 0 0,-1 0 0,1 0 0,0 0 0,0 0 0,-1 0 0,1-1 0,-1 1 0,1-1 0,5-14 0,0-1 0,-2 1 0,0-1 0,2-17 0,-4 20 0,0 0 0,0 1 0,2 0 0,0-1 0,0 1 0,1 1 0,11-19 0,-16 29 0,1 1 0,-1 0 0,1 0 0,0-1 0,0 1 0,0 0 0,-1 0 0,1 0 0,0 0 0,0 0 0,1 0 0,-1 0 0,0 0 0,0 1 0,0-1 0,0 0 0,1 1 0,-1-1 0,0 1 0,1-1 0,-1 1 0,1-1 0,-1 1 0,0 0 0,1 0 0,-1 0 0,3 0 0,-1 1 0,-1 0 0,0 0 0,0 1 0,0-1 0,0 0 0,0 1 0,0 0 0,0-1 0,-1 1 0,1 0 0,0 0 0,-1 0 0,1 0 0,1 3 0,4 9 0,0 1 0,0 0 0,7 27 0,-7-7 0,12 39 0,-18-71 0,0 0 0,1 0 0,-1 0 0,0 0 0,1 0 0,0 0 0,-1 0 0,1-1 0,0 1 0,1-1 0,-1 1 0,0-1 0,1 0 0,-1 0 0,1 0 0,0 0 0,4 2 0,-6-3 0,1-1 0,0 1 0,-1-1 0,1 0 0,0 1 0,-1-1 0,1 0 0,0 0 0,-1 0 0,1 0 0,0-1 0,-1 1 0,1 0 0,-1-1 0,1 1 0,0-1 0,-1 0 0,1 1 0,-1-1 0,1 0 0,-1 0 0,2-1 0,26-31 0,-2 3 0,-26 29 0,1 0 0,-1 0 0,0 0 0,1 0 0,-1 0 0,0 1 0,1-1 0,-1 0 0,1 1 0,-1-1 0,1 1 0,0 0 0,-1-1 0,1 1 0,-1 0 0,1 0 0,0 0 0,-1 0 0,1 0 0,1 1 0,-1 0 0,-1-1 0,1 1 0,-1 0 0,1 0 0,-1 0 0,1 0 0,-1 1 0,0-1 0,1 0 0,-1 0 0,0 1 0,0-1 0,0 1 0,0-1 0,0 1 0,0-1 0,-1 1 0,1 0 0,0-1 0,0 4 0,10 44 0,-5-22 0,-4-19 0,1-1 0,0 0 0,0 0 0,0 0 0,9 11 0,-12-17 0,1 0 0,0 0 0,-1 0 0,1-1 0,0 1 0,0 0 0,-1 0 0,1-1 0,0 1 0,0 0 0,0-1 0,0 1 0,0-1 0,0 1 0,0-1 0,0 1 0,0-1 0,0 0 0,1 0 0,-1 1 0,0-1 0,0 0 0,0 0 0,0 0 0,0 0 0,0 0 0,1-1 0,-1 1 0,0 0 0,0 0 0,0-1 0,0 1 0,0-1 0,0 1 0,0-1 0,0 1 0,0-1 0,0 0 0,0 1 0,0-1 0,-1 0 0,1 0 0,0 1 0,0-1 0,-1 0 0,1 0 0,0-1 0,8-10 0,-2 0 0,1-1 0,-1 1 0,-1-1 0,5-15 0,-6 14 0,1 0 0,0 1 0,1 0 0,12-17 0,-18 30 0,-1-1 0,0 1 0,0 0 0,1-1 0,-1 1 0,0-1 0,1 1 0,-1 0 0,1-1 0,-1 1 0,1 0 0,-1-1 0,0 1 0,1 0 0,-1 0 0,1 0 0,-1-1 0,1 1 0,-1 0 0,1 0 0,-1 0 0,1 0 0,-1 0 0,1 0 0,0 0 0,-1 0 0,1 0 0,-1 0 0,1 0 0,-1 0 0,1 0 0,-1 1 0,1-1 0,-1 0 0,1 0 0,-1 0 0,0 1 0,1-1 0,-1 0 0,1 1 0,-1-1 0,0 0 0,1 1 0,-1-1 0,1 1 0,-1-1 0,0 0 0,0 1 0,1-1 0,-1 1 0,0-1 0,0 1 0,0-1 0,1 2 0,13 35 0,-9-23 0,-5-13 0,0 0 0,1 0 0,-1 0 0,0 0 0,1 0 0,-1 0 0,1 0 0,0 0 0,-1 0 0,1 0 0,0 0 0,0 0 0,-1 0 0,1 0 0,0-1 0,0 1 0,0 0 0,0-1 0,0 1 0,0 0 0,0-1 0,0 1 0,0-1 0,0 0 0,0 1 0,1-1 0,-1 0 0,0 0 0,0 0 0,0 1 0,0-1 0,1 0 0,-1-1 0,0 1 0,0 0 0,0 0 0,0 0 0,0-1 0,1 1 0,-1-1 0,0 1 0,0-1 0,0 1 0,0-1 0,0 1 0,1-2 0,1 0 0,-1 1 0,0 0 0,1 0 0,0 0 0,-1 0 0,1 0 0,-1 1 0,1-1 0,0 1 0,2 0 0,-3 0 1,-1 0 0,0 1 1,0-1-1,0 0 0,0 1 0,0-1 0,0 1 0,0-1 0,0 1 0,0 0 0,0-1 1,0 1-1,0 0 0,0 0 0,-1 0 0,1-1 0,0 1 0,-1 0 0,1 0 0,0 0 1,-1 0-1,1 0 0,-1 0 0,1 1 0,-1 0 0,8 36-121,-4-18-1154</inkml:trace>
-</inkml:ink>
-</file>
-
-<file path=ppt/ink/ink6.xml><?xml version="1.0" encoding="utf-8"?>
-<inkml:ink xmlns:inkml="http://www.w3.org/2003/InkML">
-  <inkml:definitions>
-    <inkml:context xml:id="ctx0">
-      <inkml:inkSource xml:id="inkSrc0">
-        <inkml:traceFormat>
-          <inkml:channel name="X" type="integer" min="-2.14748E9" max="2.14748E9" units="cm"/>
-          <inkml:channel name="Y" type="integer" min="-2.14748E9" max="2.14748E9" units="cm"/>
-          <inkml:channel name="F" type="integer" max="32767" units="dev"/>
-        </inkml:traceFormat>
-        <inkml:channelProperties>
-          <inkml:channelProperty channel="X" name="resolution" value="1000" units="1/cm"/>
-          <inkml:channelProperty channel="Y" name="resolution" value="1000" units="1/cm"/>
-          <inkml:channelProperty channel="F" name="resolution" value="0" units="1/dev"/>
-        </inkml:channelProperties>
-      </inkml:inkSource>
       <inkml:timestamp xml:id="ts0" timeString="2023-07-02T18:41:11.571"/>
     </inkml:context>
     <inkml:brush xml:id="br0">
@@ -14633,7 +14437,7 @@
 </inkml:ink>
 </file>
 
-<file path=ppt/ink/ink7.xml><?xml version="1.0" encoding="utf-8"?>
+<file path=ppt/ink/ink2.xml><?xml version="1.0" encoding="utf-8"?>
 <inkml:ink xmlns:inkml="http://www.w3.org/2003/InkML">
   <inkml:definitions>
     <inkml:context xml:id="ctx0">
@@ -15852,7 +15656,129 @@
               </a:rPr>
               <a:t>. The results are exposed in this table and the conclusions in on the next slide.</a:t>
             </a:r>
-            <a:endParaRPr lang="en-US" sz="1800" kern="100" dirty="0">
+          </a:p>
+          <a:p>
+            <a:pPr marL="0" marR="0" lvl="0" indent="0" algn="l" defTabSz="914400" rtl="0" eaLnBrk="1" fontAlgn="auto" latinLnBrk="0" hangingPunct="1">
+              <a:lnSpc>
+                <a:spcPct val="100000"/>
+              </a:lnSpc>
+              <a:spcBef>
+                <a:spcPts val="0"/>
+              </a:spcBef>
+              <a:spcAft>
+                <a:spcPts val="0"/>
+              </a:spcAft>
+              <a:buClrTx/>
+              <a:buSzTx/>
+              <a:buFontTx/>
+              <a:buNone/>
+              <a:tabLst/>
+              <a:defRPr/>
+            </a:pPr>
+            <a:r>
+              <a:rPr lang="en-US" sz="4000" b="0" i="0" dirty="0" err="1">
+                <a:solidFill>
+                  <a:srgbClr val="202122"/>
+                </a:solidFill>
+                <a:effectLst/>
+                <a:latin typeface="Arial" panose="020B0604020202020204" pitchFamily="34" charset="0"/>
+              </a:rPr>
+              <a:t>Erdős</a:t>
+            </a:r>
+            <a:r>
+              <a:rPr lang="en-US" sz="4000" b="0" i="0" dirty="0">
+                <a:solidFill>
+                  <a:srgbClr val="202122"/>
+                </a:solidFill>
+                <a:effectLst/>
+                <a:latin typeface="Arial" panose="020B0604020202020204" pitchFamily="34" charset="0"/>
+              </a:rPr>
+              <a:t> and </a:t>
+            </a:r>
+            <a:r>
+              <a:rPr lang="en-US" sz="4000" b="0" i="0" dirty="0" err="1">
+                <a:solidFill>
+                  <a:srgbClr val="202122"/>
+                </a:solidFill>
+                <a:effectLst/>
+                <a:latin typeface="Arial" panose="020B0604020202020204" pitchFamily="34" charset="0"/>
+              </a:rPr>
+              <a:t>Rényi</a:t>
+            </a:r>
+            <a:r>
+              <a:rPr lang="en-US" sz="4000" b="0" i="0" dirty="0">
+                <a:solidFill>
+                  <a:srgbClr val="202122"/>
+                </a:solidFill>
+                <a:effectLst/>
+                <a:latin typeface="Arial" panose="020B0604020202020204" pitchFamily="34" charset="0"/>
+              </a:rPr>
+              <a:t> - </a:t>
+            </a:r>
+            <a:r>
+              <a:rPr lang="en-US" sz="2800" b="0" i="0" dirty="0">
+                <a:solidFill>
+                  <a:srgbClr val="202122"/>
+                </a:solidFill>
+                <a:effectLst/>
+                <a:latin typeface="Arial" panose="020B0604020202020204" pitchFamily="34" charset="0"/>
+              </a:rPr>
+              <a:t>all graphs on a fixed vertex set with a fixed number of edges are equally likely.</a:t>
+            </a:r>
+          </a:p>
+          <a:p>
+            <a:pPr marL="0" marR="0" lvl="0" indent="0" algn="l" defTabSz="914400" rtl="0" eaLnBrk="1" fontAlgn="auto" latinLnBrk="0" hangingPunct="1">
+              <a:lnSpc>
+                <a:spcPct val="100000"/>
+              </a:lnSpc>
+              <a:spcBef>
+                <a:spcPts val="0"/>
+              </a:spcBef>
+              <a:spcAft>
+                <a:spcPts val="0"/>
+              </a:spcAft>
+              <a:buClrTx/>
+              <a:buSzTx/>
+              <a:buFontTx/>
+              <a:buNone/>
+              <a:tabLst/>
+              <a:defRPr/>
+            </a:pPr>
+            <a:r>
+              <a:rPr lang="en-US" sz="1800" b="0" i="0" kern="1200" dirty="0">
+                <a:solidFill>
+                  <a:srgbClr val="000000"/>
+                </a:solidFill>
+                <a:effectLst/>
+                <a:latin typeface="Calibri" panose="020F0502020204030204" pitchFamily="34" charset="0"/>
+                <a:ea typeface="+mn-ea"/>
+                <a:cs typeface="+mn-cs"/>
+              </a:rPr>
+              <a:t>Kleinberg</a:t>
+            </a:r>
+            <a:r>
+              <a:rPr lang="en-US" sz="2800" b="0" i="0" kern="1200" dirty="0">
+                <a:solidFill>
+                  <a:srgbClr val="202122"/>
+                </a:solidFill>
+                <a:effectLst/>
+                <a:latin typeface="Arial" panose="020B0604020202020204" pitchFamily="34" charset="0"/>
+                <a:ea typeface="+mn-ea"/>
+                <a:cs typeface="+mn-cs"/>
+              </a:rPr>
+              <a:t> – way to model Small-World networks where </a:t>
+            </a:r>
+            <a:r>
+              <a:rPr lang="en-US" sz="2800" b="0" i="0" dirty="0">
+                <a:solidFill>
+                  <a:srgbClr val="413F3F"/>
+                </a:solidFill>
+                <a:effectLst/>
+                <a:latin typeface="Rosario"/>
+              </a:rPr>
+              <a:t>short paths not only exist but can be found with limited knowledge of the global network</a:t>
+            </a:r>
+            <a:endParaRPr lang="en-US" sz="1800" b="0" kern="100" dirty="0">
               <a:effectLst/>
               <a:latin typeface="Calibri" panose="020F0502020204030204" pitchFamily="34" charset="0"/>
               <a:ea typeface="Calibri" panose="020F0502020204030204" pitchFamily="34" charset="0"/>
@@ -16114,7 +16040,10 @@
             </a:endParaRPr>
           </a:p>
           <a:p>
-            <a:endParaRPr lang="en-US" dirty="0"/>
+            <a:r>
+              <a:rPr lang="en-US" dirty="0"/>
+              <a:t>Ideal – an admissible set which is included in all admissible sets of the system. </a:t>
+            </a:r>
           </a:p>
         </p:txBody>
       </p:sp>
@@ -16322,7 +16251,7 @@
                 <a:latin typeface="Times New Roman" panose="02020603050405020304" pitchFamily="18" charset="0"/>
                 <a:ea typeface="Calibri" panose="020F0502020204030204" pitchFamily="34" charset="0"/>
               </a:rPr>
-              <a:t>This definition has been retrieved from Dung’s article, where he laid the basis of this theory which has been extended in the years that followed. An argumentation framework is a pair &lt;A, R&gt; where A is the set of arguments and R a binary relation, meaning the attacks between arguments. In general, an argumentation framework is represented as a directed graph as we have here. In this example the arguments are the letters from A to F and the attacks (A, B), (B, A), (D, E) and so on. </a:t>
+              <a:t>An argumentation framework is a pair &lt;A, R&gt; where A is the set of arguments and R a binary relation, meaning the attacks between arguments. In general, an argumentation framework is represented as a directed graph as we have here. In this example the arguments are the letters from A to F and the attacks (A, B), (B, A), (D, E) and so on. </a:t>
             </a:r>
             <a:endParaRPr lang="en-US" dirty="0"/>
           </a:p>
@@ -16431,7 +16360,39 @@
                 <a:latin typeface="Times New Roman" panose="02020603050405020304" pitchFamily="18" charset="0"/>
                 <a:ea typeface="Calibri" panose="020F0502020204030204" pitchFamily="34" charset="0"/>
               </a:rPr>
-              <a:t>In the last years, Argumentation framework has increasingly become an important subject in conferences related to Artificial intelligence. This theory has a couple of applications in domains like healthcare and debates. For example, in healthcare, there is an application which uses Abstract Argumentation Framework to represent and synthesize knowledge from clinical trials and generates combinations of treatments that causes the fewest negative effects. There, the treatments are seen as arguments and relationships between them as attacks. Using an algorithm, the most efficient treatment was represented by the medicines which composed a grounded or preferred extension, which are properties of Argumentation Framework. Our main objective was to develop a performant algorithm which determines the properties of an Argumentation Framework and integrate it in a web application. We will see soon the performance results and the web application.</a:t>
+              <a:t>In the last years, Argumentation framework has increasingly become an important subject in conferences related to Artificial intelligence. This theory has a couple of applications in domains like healthcare and debates. For example, in healthcare, there is an application which uses Abstract Argumentation Framework to represent and synthesize knowledge from clinical trials and determines the most efficient treatment, the one </a:t>
+            </a:r>
+            <a:r>
+              <a:rPr lang="en-US" sz="1800">
+                <a:effectLst/>
+                <a:latin typeface="Times New Roman" panose="02020603050405020304" pitchFamily="18" charset="0"/>
+                <a:ea typeface="Calibri" panose="020F0502020204030204" pitchFamily="34" charset="0"/>
+              </a:rPr>
+              <a:t>that causes </a:t>
+            </a:r>
+            <a:r>
+              <a:rPr lang="en-US" sz="1800" dirty="0">
+                <a:effectLst/>
+                <a:latin typeface="Times New Roman" panose="02020603050405020304" pitchFamily="18" charset="0"/>
+                <a:ea typeface="Calibri" panose="020F0502020204030204" pitchFamily="34" charset="0"/>
+              </a:rPr>
+              <a:t>with the </a:t>
+            </a:r>
+            <a:r>
+              <a:rPr lang="en-US" sz="1800">
+                <a:effectLst/>
+                <a:latin typeface="Times New Roman" panose="02020603050405020304" pitchFamily="18" charset="0"/>
+                <a:ea typeface="Calibri" panose="020F0502020204030204" pitchFamily="34" charset="0"/>
+              </a:rPr>
+              <a:t>fewest negative </a:t>
+            </a:r>
+            <a:r>
+              <a:rPr lang="en-US" sz="1800" dirty="0">
+                <a:effectLst/>
+                <a:latin typeface="Times New Roman" panose="02020603050405020304" pitchFamily="18" charset="0"/>
+                <a:ea typeface="Calibri" panose="020F0502020204030204" pitchFamily="34" charset="0"/>
+              </a:rPr>
+              <a:t>effects. There, the treatments are seen as arguments and relationships between them as attacks. Using an algorithm, the most efficient treatment was represented by the medicines which composed a grounded or preferred extension, which are properties of Argumentation Framework. Our main objective was to develop a performant algorithm which determines the properties of an Argumentation Framework and integrate it in a web application. We will see soon the performance results and the web application.</a:t>
             </a:r>
             <a:endParaRPr lang="en-US" dirty="0"/>
           </a:p>
@@ -23240,64 +23201,38 @@
                 <a:pPr lvl="1"/>
                 <a:r>
                   <a:rPr lang="en-US" sz="3200" b="1" dirty="0"/>
-                  <a:t>Conflict-free extension</a:t>
-                </a:r>
-              </a:p>
-              <a:p>
-                <a:pPr lvl="2"/>
-                <a:r>
-                  <a:rPr lang="en-US" sz="2200" dirty="0"/>
-                  <a:t>A set </a:t>
+                  <a:t>Conflict-free </a:t>
                 </a:r>
                 <a:r>
-                  <a:rPr lang="en-US" sz="2200" b="1" dirty="0"/>
-                  <a:t>S </a:t>
+                  <a:rPr lang="en-US" sz="3200" b="1" dirty="0" err="1"/>
+                  <a:t>extension</a:t>
                 </a:r>
-                <a:r>
-                  <a:rPr lang="en-US" sz="2200" dirty="0"/>
-                  <a:t>of arguments is </a:t>
-                </a:r>
-                <a:r>
-                  <a:rPr lang="en-US" sz="2200" b="1" dirty="0"/>
-                  <a:t>conflict-free </a:t>
-                </a:r>
-                <a:r>
-                  <a:rPr lang="en-US" sz="2200" dirty="0"/>
-                  <a:t>if arguments of the set </a:t>
-                </a:r>
-                <a:r>
-                  <a:rPr lang="en-US" sz="2200" b="1" dirty="0"/>
-                  <a:t>do not</a:t>
-                </a:r>
-                <a:r>
-                  <a:rPr lang="en-US" sz="2200" dirty="0"/>
-                  <a:t> attack each other:</a:t>
-                </a:r>
+                <a:endParaRPr lang="en-US" sz="3200" b="1" dirty="0"/>
               </a:p>
               <a:p>
                 <a:pPr marL="914400" lvl="2" indent="0" algn="ctr">
                   <a:buNone/>
                 </a:pPr>
                 <a:r>
-                  <a:rPr lang="en-US" sz="3200" b="1" dirty="0"/>
+                  <a:rPr lang="en-US" sz="3600" b="1" dirty="0"/>
                   <a:t>C = { a</a:t>
                 </a:r>
                 <a14:m>
                   <m:oMath xmlns:m="http://schemas.openxmlformats.org/officeDocument/2006/math">
                     <m:r>
-                      <a:rPr lang="en-US" sz="3200" b="1" i="0" dirty="0" smtClean="0">
+                      <a:rPr lang="en-US" sz="3600" b="1" i="0" dirty="0" smtClean="0">
                         <a:latin typeface="Cambria Math" panose="02040503050406030204" pitchFamily="18" charset="0"/>
                       </a:rPr>
                       <m:t> </m:t>
                     </m:r>
                     <m:r>
-                      <a:rPr lang="en-US" sz="3200" b="1" dirty="0">
+                      <a:rPr lang="en-US" sz="3600" b="1" dirty="0">
                         <a:latin typeface="Cambria Math" panose="02040503050406030204" pitchFamily="18" charset="0"/>
                       </a:rPr>
                       <m:t>⇒¬</m:t>
                     </m:r>
                     <m:r>
-                      <a:rPr lang="en-US" sz="3200" b="1" i="0" dirty="0" smtClean="0">
+                      <a:rPr lang="en-US" sz="3600" b="1" i="0" dirty="0" smtClean="0">
                         <a:latin typeface="Cambria Math" panose="02040503050406030204" pitchFamily="18" charset="0"/>
                       </a:rPr>
                       <m:t>𝐛</m:t>
@@ -23305,27 +23240,27 @@
                   </m:oMath>
                 </a14:m>
                 <a:r>
-                  <a:rPr lang="en-US" sz="3200" b="1" dirty="0"/>
+                  <a:rPr lang="en-US" sz="3600" b="1" dirty="0"/>
                   <a:t> | (a, b) </a:t>
                 </a:r>
                 <a14:m>
                   <m:oMath xmlns:m="http://schemas.openxmlformats.org/officeDocument/2006/math">
                     <m:r>
-                      <a:rPr lang="en-US" sz="3200" b="1" i="1">
+                      <a:rPr lang="en-US" sz="3600" b="1" i="1">
                         <a:latin typeface="Cambria Math" panose="02040503050406030204" pitchFamily="18" charset="0"/>
                         <a:ea typeface="Cambria Math" panose="02040503050406030204" pitchFamily="18" charset="0"/>
                       </a:rPr>
                       <m:t>𝝐</m:t>
                     </m:r>
                     <m:r>
-                      <a:rPr lang="en-US" sz="3200" b="1" i="1">
+                      <a:rPr lang="en-US" sz="3600" b="1" i="1">
                         <a:latin typeface="Cambria Math" panose="02040503050406030204" pitchFamily="18" charset="0"/>
                         <a:ea typeface="Cambria Math" panose="02040503050406030204" pitchFamily="18" charset="0"/>
                       </a:rPr>
                       <m:t> </m:t>
                     </m:r>
                     <m:r>
-                      <a:rPr lang="en-US" sz="3200" b="1" i="1" smtClean="0">
+                      <a:rPr lang="en-US" sz="3600" b="1" i="1" smtClean="0">
                         <a:latin typeface="Cambria Math" panose="02040503050406030204" pitchFamily="18" charset="0"/>
                         <a:ea typeface="Cambria Math" panose="02040503050406030204" pitchFamily="18" charset="0"/>
                       </a:rPr>
@@ -23334,7 +23269,7 @@
                   </m:oMath>
                 </a14:m>
                 <a:r>
-                  <a:rPr lang="en-US" sz="3200" b="1" dirty="0"/>
+                  <a:rPr lang="en-US" sz="3600" b="1" dirty="0"/>
                   <a:t> }</a:t>
                 </a:r>
               </a:p>
@@ -23366,7 +23301,7 @@
               <a:blipFill>
                 <a:blip r:embed="rId3"/>
                 <a:stretch>
-                  <a:fillRect l="-1536" t="-4878" r="-439" b="-5285"/>
+                  <a:fillRect l="-1536" t="-4878" r="-439"/>
                 </a:stretch>
               </a:blipFill>
             </p:spPr>
@@ -23438,14 +23373,14 @@
               <p:nvPr>
                 <p:extLst>
                   <p:ext uri="{D42A27DB-BD31-4B8C-83A1-F6EECF244321}">
-                    <p14:modId xmlns:p14="http://schemas.microsoft.com/office/powerpoint/2010/main" val="1067271871"/>
+                    <p14:modId xmlns:p14="http://schemas.microsoft.com/office/powerpoint/2010/main" val="3311443511"/>
                   </p:ext>
                 </p:extLst>
               </p:nvPr>
             </p:nvGraphicFramePr>
             <p:xfrm>
               <a:off x="1555618" y="2480287"/>
-              <a:ext cx="10302441" cy="518160"/>
+              <a:ext cx="10302441" cy="579120"/>
             </p:xfrm>
             <a:graphic>
               <a:graphicData uri="http://schemas.openxmlformats.org/drawingml/2006/table">
@@ -23487,7 +23422,7 @@
                             <a:buChar char="•"/>
                           </a:pPr>
                           <a:r>
-                            <a:rPr lang="en-US" sz="2800" dirty="0"/>
+                            <a:rPr lang="en-US" sz="3200" dirty="0"/>
                             <a:t>S = A (arguments)</a:t>
                           </a:r>
                         </a:p>
@@ -23529,14 +23464,14 @@
                               <m:sSub>
                                 <m:sSubPr>
                                   <m:ctrlPr>
-                                    <a:rPr lang="en-US" sz="2800" i="1" smtClean="0">
+                                    <a:rPr lang="en-US" sz="3200" i="1" smtClean="0">
                                       <a:latin typeface="Cambria Math" panose="02040503050406030204" pitchFamily="18" charset="0"/>
                                     </a:rPr>
                                   </m:ctrlPr>
                                 </m:sSubPr>
                                 <m:e>
                                   <m:r>
-                                    <a:rPr lang="en-US" sz="2800" b="0" i="1" smtClean="0">
+                                    <a:rPr lang="en-US" sz="3200" b="0" i="1" smtClean="0">
                                       <a:latin typeface="Cambria Math" panose="02040503050406030204" pitchFamily="18" charset="0"/>
                                     </a:rPr>
                                     <m:t>𝐷</m:t>
@@ -23544,7 +23479,7 @@
                                 </m:e>
                                 <m:sub>
                                   <m:r>
-                                    <a:rPr lang="en-US" sz="2800" b="0" i="1" smtClean="0">
+                                    <a:rPr lang="en-US" sz="3200" b="0" i="1" smtClean="0">
                                       <a:latin typeface="Cambria Math" panose="02040503050406030204" pitchFamily="18" charset="0"/>
                                     </a:rPr>
                                     <m:t>𝑖</m:t>
@@ -23552,14 +23487,14 @@
                                 </m:sub>
                               </m:sSub>
                               <m:r>
-                                <a:rPr lang="en-US" sz="2800" b="0" i="1" smtClean="0">
+                                <a:rPr lang="en-US" sz="3200" b="0" i="1" smtClean="0">
                                   <a:latin typeface="Cambria Math" panose="02040503050406030204" pitchFamily="18" charset="0"/>
                                 </a:rPr>
                                 <m:t>={0, 1}</m:t>
                               </m:r>
                             </m:oMath>
                           </a14:m>
-                          <a:endParaRPr lang="en-US" sz="2800" dirty="0"/>
+                          <a:endParaRPr lang="en-US" sz="3200" dirty="0"/>
                         </a:p>
                       </a:txBody>
                       <a:tcPr>
@@ -23595,7 +23530,7 @@
                             <a:buChar char="•"/>
                           </a:pPr>
                           <a:r>
-                            <a:rPr lang="en-US" sz="2800" dirty="0"/>
+                            <a:rPr lang="en-US" sz="3200" dirty="0"/>
                             <a:t>C = constraint</a:t>
                           </a:r>
                         </a:p>
@@ -23650,14 +23585,14 @@
               <p:nvPr>
                 <p:extLst>
                   <p:ext uri="{D42A27DB-BD31-4B8C-83A1-F6EECF244321}">
-                    <p14:modId xmlns:p14="http://schemas.microsoft.com/office/powerpoint/2010/main" val="1067271871"/>
+                    <p14:modId xmlns:p14="http://schemas.microsoft.com/office/powerpoint/2010/main" val="3311443511"/>
                   </p:ext>
                 </p:extLst>
               </p:nvPr>
             </p:nvGraphicFramePr>
             <p:xfrm>
               <a:off x="1555618" y="2480287"/>
-              <a:ext cx="10302441" cy="518160"/>
+              <a:ext cx="10302441" cy="579120"/>
             </p:xfrm>
             <a:graphic>
               <a:graphicData uri="http://schemas.openxmlformats.org/drawingml/2006/table">
@@ -23688,7 +23623,7 @@
                       </a:extLst>
                     </a:gridCol>
                   </a:tblGrid>
-                  <a:tr h="518160">
+                  <a:tr h="579120">
                     <a:tc>
                       <a:txBody>
                         <a:bodyPr/>
@@ -23699,7 +23634,7 @@
                             <a:buChar char="•"/>
                           </a:pPr>
                           <a:r>
-                            <a:rPr lang="en-US" sz="2800" dirty="0"/>
+                            <a:rPr lang="en-US" sz="3200" dirty="0"/>
                             <a:t>S = A (arguments)</a:t>
                           </a:r>
                         </a:p>
@@ -23759,7 +23694,7 @@
                         <a:blipFill>
                           <a:blip r:embed="rId4"/>
                           <a:stretch>
-                            <a:fillRect l="-100178" t="-10465" r="-100178" b="-33721"/>
+                            <a:fillRect l="-100178" t="-12500" r="-100178" b="-34375"/>
                           </a:stretch>
                         </a:blipFill>
                       </a:tcPr>
@@ -23774,7 +23709,7 @@
                             <a:buChar char="•"/>
                           </a:pPr>
                           <a:r>
-                            <a:rPr lang="en-US" sz="2800" dirty="0"/>
+                            <a:rPr lang="en-US" sz="3200" dirty="0"/>
                             <a:t>C = constraint</a:t>
                           </a:r>
                         </a:p>
@@ -24113,8 +24048,8 @@
             </p:nvSpPr>
             <p:spPr>
               <a:xfrm>
-                <a:off x="741946" y="1507991"/>
-                <a:ext cx="11116113" cy="2997319"/>
+                <a:off x="741946" y="1507992"/>
+                <a:ext cx="11116113" cy="2539349"/>
               </a:xfrm>
             </p:spPr>
             <p:txBody>
@@ -24124,7 +24059,7 @@
               <a:lstStyle/>
               <a:p>
                 <a:r>
-                  <a:rPr lang="en-US" sz="3600" dirty="0">
+                  <a:rPr lang="en-US" sz="3200" dirty="0">
                     <a:solidFill>
                       <a:schemeClr val="tx1">
                         <a:lumMod val="65000"/>
@@ -24135,7 +24070,7 @@
                   <a:t>An argumentation framework property is represented as a tuple </a:t>
                 </a:r>
                 <a:r>
-                  <a:rPr lang="en-US" sz="3600" b="1" dirty="0">
+                  <a:rPr lang="en-US" sz="3200" b="1" dirty="0">
                     <a:solidFill>
                       <a:schemeClr val="tx1">
                         <a:lumMod val="65000"/>
@@ -24146,7 +24081,7 @@
                   <a:t>(S, D, C)</a:t>
                 </a:r>
                 <a:r>
-                  <a:rPr lang="en-US" sz="3600" dirty="0">
+                  <a:rPr lang="en-US" sz="3200" dirty="0">
                     <a:solidFill>
                       <a:schemeClr val="tx1">
                         <a:lumMod val="65000"/>
@@ -24166,7 +24101,7 @@
               <a:p>
                 <a:pPr lvl="1"/>
                 <a:r>
-                  <a:rPr lang="en-US" sz="3200" b="1" dirty="0">
+                  <a:rPr lang="en-US" sz="2800" b="1" dirty="0">
                     <a:solidFill>
                       <a:schemeClr val="tx1">
                         <a:lumMod val="65000"/>
@@ -24178,109 +24113,29 @@
                 </a:r>
               </a:p>
               <a:p>
-                <a:pPr lvl="2"/>
-                <a:r>
-                  <a:rPr lang="en-US" sz="2200" dirty="0">
-                    <a:solidFill>
-                      <a:schemeClr val="tx1">
-                        <a:lumMod val="65000"/>
-                        <a:lumOff val="35000"/>
-                      </a:schemeClr>
-                    </a:solidFill>
-                  </a:rPr>
-                  <a:t>A set </a:t>
-                </a:r>
-                <a:r>
-                  <a:rPr lang="en-US" sz="2200" b="1" dirty="0">
-                    <a:solidFill>
-                      <a:schemeClr val="tx1">
-                        <a:lumMod val="65000"/>
-                        <a:lumOff val="35000"/>
-                      </a:schemeClr>
-                    </a:solidFill>
-                  </a:rPr>
-                  <a:t>S </a:t>
-                </a:r>
-                <a:r>
-                  <a:rPr lang="en-US" sz="2200" dirty="0">
-                    <a:solidFill>
-                      <a:schemeClr val="tx1">
-                        <a:lumMod val="65000"/>
-                        <a:lumOff val="35000"/>
-                      </a:schemeClr>
-                    </a:solidFill>
-                  </a:rPr>
-                  <a:t>of arguments is </a:t>
-                </a:r>
-                <a:r>
-                  <a:rPr lang="en-US" sz="2200" b="1" dirty="0">
-                    <a:solidFill>
-                      <a:schemeClr val="tx1">
-                        <a:lumMod val="65000"/>
-                        <a:lumOff val="35000"/>
-                      </a:schemeClr>
-                    </a:solidFill>
-                  </a:rPr>
-                  <a:t>conflict-free </a:t>
-                </a:r>
-                <a:r>
-                  <a:rPr lang="en-US" sz="2200" dirty="0">
-                    <a:solidFill>
-                      <a:schemeClr val="tx1">
-                        <a:lumMod val="65000"/>
-                        <a:lumOff val="35000"/>
-                      </a:schemeClr>
-                    </a:solidFill>
-                  </a:rPr>
-                  <a:t>if arguments of the set </a:t>
-                </a:r>
-                <a:r>
-                  <a:rPr lang="en-US" sz="2200" b="1" dirty="0">
-                    <a:solidFill>
-                      <a:schemeClr val="tx1">
-                        <a:lumMod val="65000"/>
-                        <a:lumOff val="35000"/>
-                      </a:schemeClr>
-                    </a:solidFill>
-                  </a:rPr>
-                  <a:t>do not</a:t>
-                </a:r>
-                <a:r>
-                  <a:rPr lang="en-US" sz="2200" dirty="0">
-                    <a:solidFill>
-                      <a:schemeClr val="tx1">
-                        <a:lumMod val="65000"/>
-                        <a:lumOff val="35000"/>
-                      </a:schemeClr>
-                    </a:solidFill>
-                  </a:rPr>
-                  <a:t> attack each other:</a:t>
-                </a:r>
-              </a:p>
-              <a:p>
                 <a:pPr marL="914400" lvl="2" indent="0" algn="ctr">
                   <a:buNone/>
                 </a:pPr>
                 <a:r>
-                  <a:rPr lang="en-US" sz="3200" b="1" dirty="0"/>
+                  <a:rPr lang="en-US" sz="3600" b="1" dirty="0"/>
                   <a:t>C = { a</a:t>
                 </a:r>
                 <a14:m>
                   <m:oMath xmlns:m="http://schemas.openxmlformats.org/officeDocument/2006/math">
                     <m:r>
-                      <a:rPr lang="en-US" sz="3200" b="1" i="0" dirty="0" smtClean="0">
+                      <a:rPr lang="en-US" sz="3600" b="1" i="0" dirty="0" smtClean="0">
                         <a:latin typeface="Cambria Math" panose="02040503050406030204" pitchFamily="18" charset="0"/>
                       </a:rPr>
                       <m:t> </m:t>
                     </m:r>
                     <m:r>
-                      <a:rPr lang="en-US" sz="3200" b="1" dirty="0">
+                      <a:rPr lang="en-US" sz="3600" b="1" dirty="0">
                         <a:latin typeface="Cambria Math" panose="02040503050406030204" pitchFamily="18" charset="0"/>
                       </a:rPr>
                       <m:t>⇒¬</m:t>
                     </m:r>
                     <m:r>
-                      <a:rPr lang="en-US" sz="3200" b="1" i="0" dirty="0" smtClean="0">
+                      <a:rPr lang="en-US" sz="3600" b="1" i="0" dirty="0" smtClean="0">
                         <a:latin typeface="Cambria Math" panose="02040503050406030204" pitchFamily="18" charset="0"/>
                       </a:rPr>
                       <m:t>𝐛</m:t>
@@ -24288,27 +24143,27 @@
                   </m:oMath>
                 </a14:m>
                 <a:r>
-                  <a:rPr lang="en-US" sz="3200" b="1" dirty="0"/>
+                  <a:rPr lang="en-US" sz="3600" b="1" dirty="0"/>
                   <a:t> | (a, b) </a:t>
                 </a:r>
                 <a14:m>
                   <m:oMath xmlns:m="http://schemas.openxmlformats.org/officeDocument/2006/math">
                     <m:r>
-                      <a:rPr lang="en-US" sz="3200" b="1" i="1">
+                      <a:rPr lang="en-US" sz="3600" b="1" i="1">
                         <a:latin typeface="Cambria Math" panose="02040503050406030204" pitchFamily="18" charset="0"/>
                         <a:ea typeface="Cambria Math" panose="02040503050406030204" pitchFamily="18" charset="0"/>
                       </a:rPr>
                       <m:t>𝝐</m:t>
                     </m:r>
                     <m:r>
-                      <a:rPr lang="en-US" sz="3200" b="1" i="1">
+                      <a:rPr lang="en-US" sz="3600" b="1" i="1">
                         <a:latin typeface="Cambria Math" panose="02040503050406030204" pitchFamily="18" charset="0"/>
                         <a:ea typeface="Cambria Math" panose="02040503050406030204" pitchFamily="18" charset="0"/>
                       </a:rPr>
                       <m:t> </m:t>
                     </m:r>
                     <m:r>
-                      <a:rPr lang="en-US" sz="3200" b="1" i="1" smtClean="0">
+                      <a:rPr lang="en-US" sz="3600" b="1" i="1" smtClean="0">
                         <a:latin typeface="Cambria Math" panose="02040503050406030204" pitchFamily="18" charset="0"/>
                         <a:ea typeface="Cambria Math" panose="02040503050406030204" pitchFamily="18" charset="0"/>
                       </a:rPr>
@@ -24317,7 +24172,7 @@
                   </m:oMath>
                 </a14:m>
                 <a:r>
-                  <a:rPr lang="en-US" sz="3200" b="1" dirty="0"/>
+                  <a:rPr lang="en-US" sz="3600" b="1" dirty="0"/>
                   <a:t> }</a:t>
                 </a:r>
               </a:p>
@@ -24343,13 +24198,13 @@
             </p:nvSpPr>
             <p:spPr>
               <a:xfrm>
-                <a:off x="741946" y="1507991"/>
-                <a:ext cx="11116113" cy="2997319"/>
+                <a:off x="741946" y="1507992"/>
+                <a:ext cx="11116113" cy="2539349"/>
               </a:xfrm>
               <a:blipFill>
                 <a:blip r:embed="rId3"/>
                 <a:stretch>
-                  <a:fillRect l="-1536" t="-4878" r="-439" b="-5285"/>
+                  <a:fillRect l="-1262" t="-5036" r="-933" b="-6715"/>
                 </a:stretch>
               </a:blipFill>
             </p:spPr>
@@ -24404,8 +24259,8 @@
           </a:p>
         </p:txBody>
       </p:sp>
-      <mc:AlternateContent xmlns:mc="http://schemas.openxmlformats.org/markup-compatibility/2006">
-        <mc:Choice xmlns:a14="http://schemas.microsoft.com/office/drawing/2010/main" Requires="a14">
+      <mc:AlternateContent xmlns:mc="http://schemas.openxmlformats.org/markup-compatibility/2006" xmlns:a14="http://schemas.microsoft.com/office/drawing/2010/main">
+        <mc:Choice Requires="a14">
           <p:graphicFrame>
             <p:nvGraphicFramePr>
               <p:cNvPr id="11" name="Table 12">
@@ -24662,7 +24517,7 @@
             </a:graphic>
           </p:graphicFrame>
         </mc:Choice>
-        <mc:Fallback>
+        <mc:Fallback xmlns="">
           <p:graphicFrame>
             <p:nvGraphicFramePr>
               <p:cNvPr id="11" name="Table 12">
@@ -24878,1013 +24733,44 @@
         </p:blipFill>
         <p:spPr>
           <a:xfrm>
-            <a:off x="7581126" y="4505310"/>
-            <a:ext cx="4607826" cy="2352689"/>
+            <a:off x="6684177" y="4047342"/>
+            <a:ext cx="5504775" cy="2810658"/>
           </a:xfrm>
           <a:prstGeom prst="rect">
             <a:avLst/>
           </a:prstGeom>
         </p:spPr>
       </p:pic>
-      <p:grpSp>
-        <p:nvGrpSpPr>
-          <p:cNvPr id="13" name="Group 12">
+      <p:pic>
+        <p:nvPicPr>
+          <p:cNvPr id="31" name="Picture 30">
             <a:extLst>
               <a:ext uri="{FF2B5EF4-FFF2-40B4-BE49-F238E27FC236}">
-                <a16:creationId xmlns:a16="http://schemas.microsoft.com/office/drawing/2014/main" id="{76060042-10B8-13CF-7FE7-D0FE6EA95577}"/>
+                <a16:creationId xmlns:a16="http://schemas.microsoft.com/office/drawing/2014/main" id="{13E82BB7-4046-AAAF-F86B-0AFE73DA73C9}"/>
               </a:ext>
             </a:extLst>
           </p:cNvPr>
-          <p:cNvGrpSpPr/>
+          <p:cNvPicPr>
+            <a:picLocks noChangeAspect="1"/>
+          </p:cNvPicPr>
           <p:nvPr/>
-        </p:nvGrpSpPr>
-        <p:grpSpPr>
-          <a:xfrm>
-            <a:off x="535547" y="4196406"/>
-            <a:ext cx="120240" cy="444960"/>
-            <a:chOff x="535547" y="4196406"/>
-            <a:chExt cx="120240" cy="444960"/>
-          </a:xfrm>
-        </p:grpSpPr>
-        <mc:AlternateContent xmlns:mc="http://schemas.openxmlformats.org/markup-compatibility/2006">
-          <mc:Choice xmlns:p14="http://schemas.microsoft.com/office/powerpoint/2010/main" Requires="p14">
-            <p:contentPart p14:bwMode="auto" r:id="rId6">
-              <p14:nvContentPartPr>
-                <p14:cNvPr id="5" name="Ink 4">
-                  <a:extLst>
-                    <a:ext uri="{FF2B5EF4-FFF2-40B4-BE49-F238E27FC236}">
-                      <a16:creationId xmlns:a16="http://schemas.microsoft.com/office/drawing/2014/main" id="{E19B37FE-44E0-9167-9844-6050D9EA992C}"/>
-                    </a:ext>
-                  </a:extLst>
-                </p14:cNvPr>
-                <p14:cNvContentPartPr/>
-                <p14:nvPr/>
-              </p14:nvContentPartPr>
-              <p14:xfrm>
-                <a:off x="535547" y="4247886"/>
-                <a:ext cx="120240" cy="393480"/>
-              </p14:xfrm>
-            </p:contentPart>
-          </mc:Choice>
-          <mc:Fallback>
-            <p:pic>
-              <p:nvPicPr>
-                <p:cNvPr id="5" name="Ink 4">
-                  <a:extLst>
-                    <a:ext uri="{FF2B5EF4-FFF2-40B4-BE49-F238E27FC236}">
-                      <a16:creationId xmlns:a16="http://schemas.microsoft.com/office/drawing/2014/main" id="{E19B37FE-44E0-9167-9844-6050D9EA992C}"/>
-                    </a:ext>
-                  </a:extLst>
-                </p:cNvPr>
-                <p:cNvPicPr/>
-                <p:nvPr/>
-              </p:nvPicPr>
-              <p:blipFill>
-                <a:blip r:embed="rId7"/>
-                <a:stretch>
-                  <a:fillRect/>
-                </a:stretch>
-              </p:blipFill>
-              <p:spPr>
-                <a:xfrm>
-                  <a:off x="472547" y="4184828"/>
-                  <a:ext cx="245880" cy="519235"/>
-                </a:xfrm>
-                <a:prstGeom prst="rect">
-                  <a:avLst/>
-                </a:prstGeom>
-              </p:spPr>
-            </p:pic>
-          </mc:Fallback>
-        </mc:AlternateContent>
-        <mc:AlternateContent xmlns:mc="http://schemas.openxmlformats.org/markup-compatibility/2006">
-          <mc:Choice xmlns:p14="http://schemas.microsoft.com/office/powerpoint/2010/main" Requires="p14">
-            <p:contentPart p14:bwMode="auto" r:id="rId8">
-              <p14:nvContentPartPr>
-                <p14:cNvPr id="6" name="Ink 5">
-                  <a:extLst>
-                    <a:ext uri="{FF2B5EF4-FFF2-40B4-BE49-F238E27FC236}">
-                      <a16:creationId xmlns:a16="http://schemas.microsoft.com/office/drawing/2014/main" id="{41724162-070C-3312-72CC-15CB9B0ED1B9}"/>
-                    </a:ext>
-                  </a:extLst>
-                </p14:cNvPr>
-                <p14:cNvContentPartPr/>
-                <p14:nvPr/>
-              </p14:nvContentPartPr>
-              <p14:xfrm>
-                <a:off x="619787" y="4196406"/>
-                <a:ext cx="24840" cy="70200"/>
-              </p14:xfrm>
-            </p:contentPart>
-          </mc:Choice>
-          <mc:Fallback>
-            <p:pic>
-              <p:nvPicPr>
-                <p:cNvPr id="6" name="Ink 5">
-                  <a:extLst>
-                    <a:ext uri="{FF2B5EF4-FFF2-40B4-BE49-F238E27FC236}">
-                      <a16:creationId xmlns:a16="http://schemas.microsoft.com/office/drawing/2014/main" id="{41724162-070C-3312-72CC-15CB9B0ED1B9}"/>
-                    </a:ext>
-                  </a:extLst>
-                </p:cNvPr>
-                <p:cNvPicPr/>
-                <p:nvPr/>
-              </p:nvPicPr>
-              <p:blipFill>
-                <a:blip r:embed="rId9"/>
-                <a:stretch>
-                  <a:fillRect/>
-                </a:stretch>
-              </p:blipFill>
-              <p:spPr>
-                <a:xfrm>
-                  <a:off x="555861" y="4133081"/>
-                  <a:ext cx="152328" cy="196488"/>
-                </a:xfrm>
-                <a:prstGeom prst="rect">
-                  <a:avLst/>
-                </a:prstGeom>
-              </p:spPr>
-            </p:pic>
-          </mc:Fallback>
-        </mc:AlternateContent>
-      </p:grpSp>
-      <mc:AlternateContent xmlns:mc="http://schemas.openxmlformats.org/markup-compatibility/2006">
-        <mc:Choice xmlns:p14="http://schemas.microsoft.com/office/powerpoint/2010/main" Requires="p14">
-          <p:contentPart p14:bwMode="auto" r:id="rId10">
-            <p14:nvContentPartPr>
-              <p14:cNvPr id="7" name="Ink 6">
-                <a:extLst>
-                  <a:ext uri="{FF2B5EF4-FFF2-40B4-BE49-F238E27FC236}">
-                    <a16:creationId xmlns:a16="http://schemas.microsoft.com/office/drawing/2014/main" id="{5A5D7B17-D78E-5989-A290-EFBBA83AB72C}"/>
-                  </a:ext>
-                </a:extLst>
-              </p14:cNvPr>
-              <p14:cNvContentPartPr/>
-              <p14:nvPr/>
-            </p14:nvContentPartPr>
-            <p14:xfrm>
-              <a:off x="740027" y="5066166"/>
-              <a:ext cx="199080" cy="354960"/>
-            </p14:xfrm>
-          </p:contentPart>
-        </mc:Choice>
-        <mc:Fallback>
-          <p:pic>
-            <p:nvPicPr>
-              <p:cNvPr id="7" name="Ink 6">
-                <a:extLst>
-                  <a:ext uri="{FF2B5EF4-FFF2-40B4-BE49-F238E27FC236}">
-                    <a16:creationId xmlns:a16="http://schemas.microsoft.com/office/drawing/2014/main" id="{5A5D7B17-D78E-5989-A290-EFBBA83AB72C}"/>
-                  </a:ext>
-                </a:extLst>
-              </p:cNvPr>
-              <p:cNvPicPr/>
-              <p:nvPr/>
-            </p:nvPicPr>
-            <p:blipFill>
-              <a:blip r:embed="rId11"/>
-              <a:stretch>
-                <a:fillRect/>
-              </a:stretch>
-            </p:blipFill>
-            <p:spPr>
-              <a:xfrm>
-                <a:off x="676913" y="5003166"/>
-                <a:ext cx="324948" cy="480600"/>
-              </a:xfrm>
-              <a:prstGeom prst="rect">
-                <a:avLst/>
-              </a:prstGeom>
-            </p:spPr>
-          </p:pic>
-        </mc:Fallback>
-      </mc:AlternateContent>
-      <mc:AlternateContent xmlns:mc="http://schemas.openxmlformats.org/markup-compatibility/2006">
-        <mc:Choice xmlns:p14="http://schemas.microsoft.com/office/powerpoint/2010/main" Requires="p14">
-          <p:contentPart p14:bwMode="auto" r:id="rId12">
-            <p14:nvContentPartPr>
-              <p14:cNvPr id="14" name="Ink 13">
-                <a:extLst>
-                  <a:ext uri="{FF2B5EF4-FFF2-40B4-BE49-F238E27FC236}">
-                    <a16:creationId xmlns:a16="http://schemas.microsoft.com/office/drawing/2014/main" id="{B0819CAC-AEEF-15E7-5372-233168285D72}"/>
-                  </a:ext>
-                </a:extLst>
-              </p14:cNvPr>
-              <p14:cNvContentPartPr/>
-              <p14:nvPr/>
-            </p14:nvContentPartPr>
-            <p14:xfrm>
-              <a:off x="1286507" y="5800926"/>
-              <a:ext cx="349920" cy="233280"/>
-            </p14:xfrm>
-          </p:contentPart>
-        </mc:Choice>
-        <mc:Fallback>
-          <p:pic>
-            <p:nvPicPr>
-              <p:cNvPr id="14" name="Ink 13">
-                <a:extLst>
-                  <a:ext uri="{FF2B5EF4-FFF2-40B4-BE49-F238E27FC236}">
-                    <a16:creationId xmlns:a16="http://schemas.microsoft.com/office/drawing/2014/main" id="{B0819CAC-AEEF-15E7-5372-233168285D72}"/>
-                  </a:ext>
-                </a:extLst>
-              </p:cNvPr>
-              <p:cNvPicPr/>
-              <p:nvPr/>
-            </p:nvPicPr>
-            <p:blipFill>
-              <a:blip r:embed="rId13"/>
-              <a:stretch>
-                <a:fillRect/>
-              </a:stretch>
-            </p:blipFill>
-            <p:spPr>
-              <a:xfrm>
-                <a:off x="1223442" y="5737926"/>
-                <a:ext cx="475689" cy="358920"/>
-              </a:xfrm>
-              <a:prstGeom prst="rect">
-                <a:avLst/>
-              </a:prstGeom>
-            </p:spPr>
-          </p:pic>
-        </mc:Fallback>
-      </mc:AlternateContent>
-      <mc:AlternateContent xmlns:mc="http://schemas.openxmlformats.org/markup-compatibility/2006">
-        <mc:Choice xmlns:p14="http://schemas.microsoft.com/office/powerpoint/2010/main" Requires="p14">
-          <p:contentPart p14:bwMode="auto" r:id="rId14">
-            <p14:nvContentPartPr>
-              <p14:cNvPr id="15" name="Ink 14">
-                <a:extLst>
-                  <a:ext uri="{FF2B5EF4-FFF2-40B4-BE49-F238E27FC236}">
-                    <a16:creationId xmlns:a16="http://schemas.microsoft.com/office/drawing/2014/main" id="{84832FC1-12BB-453F-C1B0-A30C3E469703}"/>
-                  </a:ext>
-                </a:extLst>
-              </p14:cNvPr>
-              <p14:cNvContentPartPr/>
-              <p14:nvPr/>
-            </p14:nvContentPartPr>
-            <p14:xfrm>
-              <a:off x="2020907" y="6113046"/>
-              <a:ext cx="407520" cy="167040"/>
-            </p14:xfrm>
-          </p:contentPart>
-        </mc:Choice>
-        <mc:Fallback>
-          <p:pic>
-            <p:nvPicPr>
-              <p:cNvPr id="15" name="Ink 14">
-                <a:extLst>
-                  <a:ext uri="{FF2B5EF4-FFF2-40B4-BE49-F238E27FC236}">
-                    <a16:creationId xmlns:a16="http://schemas.microsoft.com/office/drawing/2014/main" id="{84832FC1-12BB-453F-C1B0-A30C3E469703}"/>
-                  </a:ext>
-                </a:extLst>
-              </p:cNvPr>
-              <p:cNvPicPr/>
-              <p:nvPr/>
-            </p:nvPicPr>
-            <p:blipFill>
-              <a:blip r:embed="rId15"/>
-              <a:stretch>
-                <a:fillRect/>
-              </a:stretch>
-            </p:blipFill>
-            <p:spPr>
-              <a:xfrm>
-                <a:off x="1957907" y="6050046"/>
-                <a:ext cx="533160" cy="292680"/>
-              </a:xfrm>
-              <a:prstGeom prst="rect">
-                <a:avLst/>
-              </a:prstGeom>
-            </p:spPr>
-          </p:pic>
-        </mc:Fallback>
-      </mc:AlternateContent>
-      <mc:AlternateContent xmlns:mc="http://schemas.openxmlformats.org/markup-compatibility/2006">
-        <mc:Choice xmlns:a14="http://schemas.microsoft.com/office/drawing/2010/main" Requires="a14">
-          <p:sp>
-            <p:nvSpPr>
-              <p:cNvPr id="16" name="TextBox 15">
-                <a:extLst>
-                  <a:ext uri="{FF2B5EF4-FFF2-40B4-BE49-F238E27FC236}">
-                    <a16:creationId xmlns:a16="http://schemas.microsoft.com/office/drawing/2014/main" id="{A17FA7F1-483D-E047-A98A-F43225FAD16E}"/>
-                  </a:ext>
-                </a:extLst>
-              </p:cNvPr>
-              <p:cNvSpPr txBox="1"/>
-              <p:nvPr/>
-            </p:nvSpPr>
-            <p:spPr>
-              <a:xfrm>
-                <a:off x="125129" y="4569665"/>
-                <a:ext cx="6722470" cy="2062103"/>
-              </a:xfrm>
-              <a:prstGeom prst="rect">
-                <a:avLst/>
-              </a:prstGeom>
-              <a:noFill/>
-            </p:spPr>
-            <p:txBody>
-              <a:bodyPr wrap="square" rtlCol="0">
-                <a:spAutoFit/>
-              </a:bodyPr>
-              <a:lstStyle/>
-              <a:p>
-                <a:r>
-                  <a:rPr lang="en-US" sz="3200" b="1" dirty="0"/>
-                  <a:t>C = </a:t>
-                </a:r>
-                <a:r>
-                  <a:rPr lang="en-US" sz="3200" dirty="0"/>
-                  <a:t>{</a:t>
-                </a:r>
-                <a:r>
-                  <a:rPr lang="en-US" sz="3200" b="1" dirty="0"/>
-                  <a:t> </a:t>
-                </a:r>
-                <a14:m>
-                  <m:oMath xmlns:m="http://schemas.openxmlformats.org/officeDocument/2006/math">
-                    <m:r>
-                      <m:rPr>
-                        <m:sty m:val="p"/>
-                      </m:rPr>
-                      <a:rPr lang="en-US" sz="3200" b="0" i="0" dirty="0" smtClean="0">
-                        <a:latin typeface="Cambria Math" panose="02040503050406030204" pitchFamily="18" charset="0"/>
-                      </a:rPr>
-                      <m:t>A</m:t>
-                    </m:r>
-                    <m:r>
-                      <a:rPr lang="en-US" sz="3200" b="0" dirty="0">
-                        <a:latin typeface="Cambria Math" panose="02040503050406030204" pitchFamily="18" charset="0"/>
-                      </a:rPr>
-                      <m:t>⇒¬</m:t>
-                    </m:r>
-                    <m:r>
-                      <m:rPr>
-                        <m:sty m:val="p"/>
-                      </m:rPr>
-                      <a:rPr lang="en-US" sz="3200" b="0" i="0" dirty="0" smtClean="0">
-                        <a:latin typeface="Cambria Math" panose="02040503050406030204" pitchFamily="18" charset="0"/>
-                      </a:rPr>
-                      <m:t>B</m:t>
-                    </m:r>
-                  </m:oMath>
-                </a14:m>
-                <a:r>
-                  <a:rPr lang="en-US" sz="3200" dirty="0"/>
-                  <a:t>, </a:t>
-                </a:r>
-                <a14:m>
-                  <m:oMath xmlns:m="http://schemas.openxmlformats.org/officeDocument/2006/math">
-                    <m:r>
-                      <m:rPr>
-                        <m:sty m:val="p"/>
-                      </m:rPr>
-                      <a:rPr lang="en-US" sz="3200" b="0" i="0" dirty="0" smtClean="0">
-                        <a:latin typeface="Cambria Math" panose="02040503050406030204" pitchFamily="18" charset="0"/>
-                      </a:rPr>
-                      <m:t>B</m:t>
-                    </m:r>
-                    <m:r>
-                      <a:rPr lang="en-US" sz="3200" b="0" dirty="0">
-                        <a:latin typeface="Cambria Math" panose="02040503050406030204" pitchFamily="18" charset="0"/>
-                      </a:rPr>
-                      <m:t>⇒¬</m:t>
-                    </m:r>
-                    <m:r>
-                      <m:rPr>
-                        <m:sty m:val="p"/>
-                      </m:rPr>
-                      <a:rPr lang="en-US" sz="3200" b="0" i="0" dirty="0" smtClean="0">
-                        <a:latin typeface="Cambria Math" panose="02040503050406030204" pitchFamily="18" charset="0"/>
-                      </a:rPr>
-                      <m:t>A</m:t>
-                    </m:r>
-                  </m:oMath>
-                </a14:m>
-                <a:r>
-                  <a:rPr lang="en-US" sz="3200" dirty="0"/>
-                  <a:t>, </a:t>
-                </a:r>
-                <a14:m>
-                  <m:oMath xmlns:m="http://schemas.openxmlformats.org/officeDocument/2006/math">
-                    <m:r>
-                      <m:rPr>
-                        <m:sty m:val="p"/>
-                      </m:rPr>
-                      <a:rPr lang="en-US" sz="3200" b="0" i="1" dirty="0">
-                        <a:latin typeface="Cambria Math" panose="02040503050406030204" pitchFamily="18" charset="0"/>
-                      </a:rPr>
-                      <m:t>A</m:t>
-                    </m:r>
-                    <m:r>
-                      <a:rPr lang="en-US" sz="3200" b="0" dirty="0" smtClean="0">
-                        <a:latin typeface="Cambria Math" panose="02040503050406030204" pitchFamily="18" charset="0"/>
-                      </a:rPr>
-                      <m:t>⇒</m:t>
-                    </m:r>
-                    <m:r>
-                      <a:rPr lang="en-US" sz="3200" b="0" dirty="0">
-                        <a:latin typeface="Cambria Math" panose="02040503050406030204" pitchFamily="18" charset="0"/>
-                      </a:rPr>
-                      <m:t>¬</m:t>
-                    </m:r>
-                    <m:r>
-                      <m:rPr>
-                        <m:sty m:val="p"/>
-                      </m:rPr>
-                      <a:rPr lang="en-US" sz="3200" b="0" i="0" dirty="0" smtClean="0">
-                        <a:latin typeface="Cambria Math" panose="02040503050406030204" pitchFamily="18" charset="0"/>
-                      </a:rPr>
-                      <m:t>C</m:t>
-                    </m:r>
-                  </m:oMath>
-                </a14:m>
-                <a:r>
-                  <a:rPr lang="en-US" sz="3200" dirty="0"/>
-                  <a:t>, </a:t>
-                </a:r>
-                <a14:m>
-                  <m:oMath xmlns:m="http://schemas.openxmlformats.org/officeDocument/2006/math">
-                    <m:r>
-                      <m:rPr>
-                        <m:sty m:val="p"/>
-                      </m:rPr>
-                      <a:rPr lang="en-US" sz="3200" b="0" i="0" dirty="0" smtClean="0">
-                        <a:latin typeface="Cambria Math" panose="02040503050406030204" pitchFamily="18" charset="0"/>
-                      </a:rPr>
-                      <m:t>C</m:t>
-                    </m:r>
-                    <m:r>
-                      <a:rPr lang="en-US" sz="3200" b="0" dirty="0">
-                        <a:latin typeface="Cambria Math" panose="02040503050406030204" pitchFamily="18" charset="0"/>
-                      </a:rPr>
-                      <m:t> ⇒¬</m:t>
-                    </m:r>
-                    <m:r>
-                      <m:rPr>
-                        <m:sty m:val="p"/>
-                      </m:rPr>
-                      <a:rPr lang="en-US" sz="3200" b="0" i="0" dirty="0" smtClean="0">
-                        <a:latin typeface="Cambria Math" panose="02040503050406030204" pitchFamily="18" charset="0"/>
-                      </a:rPr>
-                      <m:t>D</m:t>
-                    </m:r>
-                  </m:oMath>
-                </a14:m>
-                <a:r>
-                  <a:rPr lang="en-US" sz="3200" dirty="0"/>
-                  <a:t>, 	</a:t>
-                </a:r>
-                <a14:m>
-                  <m:oMath xmlns:m="http://schemas.openxmlformats.org/officeDocument/2006/math">
-                    <m:r>
-                      <m:rPr>
-                        <m:sty m:val="p"/>
-                      </m:rPr>
-                      <a:rPr lang="en-US" sz="3200" b="0" i="0" dirty="0" smtClean="0">
-                        <a:latin typeface="Cambria Math" panose="02040503050406030204" pitchFamily="18" charset="0"/>
-                      </a:rPr>
-                      <m:t>D</m:t>
-                    </m:r>
-                    <m:r>
-                      <a:rPr lang="en-US" sz="3200" b="0" dirty="0">
-                        <a:latin typeface="Cambria Math" panose="02040503050406030204" pitchFamily="18" charset="0"/>
-                      </a:rPr>
-                      <m:t>⇒¬</m:t>
-                    </m:r>
-                    <m:r>
-                      <m:rPr>
-                        <m:sty m:val="p"/>
-                      </m:rPr>
-                      <a:rPr lang="en-US" sz="3200" b="0" i="0" dirty="0" smtClean="0">
-                        <a:latin typeface="Cambria Math" panose="02040503050406030204" pitchFamily="18" charset="0"/>
-                      </a:rPr>
-                      <m:t>C</m:t>
-                    </m:r>
-                  </m:oMath>
-                </a14:m>
-                <a:r>
-                  <a:rPr lang="en-US" sz="3200" dirty="0"/>
-                  <a:t>, </a:t>
-                </a:r>
-                <a14:m>
-                  <m:oMath xmlns:m="http://schemas.openxmlformats.org/officeDocument/2006/math">
-                    <m:r>
-                      <m:rPr>
-                        <m:sty m:val="p"/>
-                      </m:rPr>
-                      <a:rPr lang="en-US" sz="3200" b="0" i="0" dirty="0" smtClean="0">
-                        <a:latin typeface="Cambria Math" panose="02040503050406030204" pitchFamily="18" charset="0"/>
-                      </a:rPr>
-                      <m:t>F</m:t>
-                    </m:r>
-                    <m:r>
-                      <a:rPr lang="en-US" sz="3200" b="0" dirty="0">
-                        <a:latin typeface="Cambria Math" panose="02040503050406030204" pitchFamily="18" charset="0"/>
-                      </a:rPr>
-                      <m:t>⇒¬</m:t>
-                    </m:r>
-                    <m:r>
-                      <m:rPr>
-                        <m:sty m:val="p"/>
-                      </m:rPr>
-                      <a:rPr lang="en-US" sz="3200" b="0" i="0" dirty="0" smtClean="0">
-                        <a:latin typeface="Cambria Math" panose="02040503050406030204" pitchFamily="18" charset="0"/>
-                      </a:rPr>
-                      <m:t>D</m:t>
-                    </m:r>
-                  </m:oMath>
-                </a14:m>
-                <a:r>
-                  <a:rPr lang="en-US" sz="3200" dirty="0"/>
-                  <a:t>, …};</a:t>
-                </a:r>
-              </a:p>
-              <a:p>
-                <a:endParaRPr lang="en-US" sz="3200" dirty="0"/>
-              </a:p>
-              <a:p>
-                <a:r>
-                  <a:rPr lang="en-US" sz="3200" b="1" dirty="0"/>
-                  <a:t>Sol = </a:t>
-                </a:r>
-                <a:r>
-                  <a:rPr lang="en-US" sz="3200" dirty="0"/>
-                  <a:t>{(1,0,0,1,0,0), (0,1,1,0,1,1), …}</a:t>
-                </a:r>
-                <a:endParaRPr lang="en-US" sz="3200" b="1" dirty="0"/>
-              </a:p>
-            </p:txBody>
-          </p:sp>
-        </mc:Choice>
-        <mc:Fallback>
-          <p:sp>
-            <p:nvSpPr>
-              <p:cNvPr id="16" name="TextBox 15">
-                <a:extLst>
-                  <a:ext uri="{FF2B5EF4-FFF2-40B4-BE49-F238E27FC236}">
-                    <a16:creationId xmlns:a16="http://schemas.microsoft.com/office/drawing/2014/main" id="{A17FA7F1-483D-E047-A98A-F43225FAD16E}"/>
-                  </a:ext>
-                </a:extLst>
-              </p:cNvPr>
-              <p:cNvSpPr txBox="1">
-                <a:spLocks noRot="1" noChangeAspect="1" noMove="1" noResize="1" noEditPoints="1" noAdjustHandles="1" noChangeArrowheads="1" noChangeShapeType="1" noTextEdit="1"/>
-              </p:cNvSpPr>
-              <p:nvPr/>
-            </p:nvSpPr>
-            <p:spPr>
-              <a:xfrm>
-                <a:off x="125129" y="4569665"/>
-                <a:ext cx="6722470" cy="2062103"/>
-              </a:xfrm>
-              <a:prstGeom prst="rect">
-                <a:avLst/>
-              </a:prstGeom>
-              <a:blipFill>
-                <a:blip r:embed="rId16"/>
-                <a:stretch>
-                  <a:fillRect l="-2359" t="-3550" b="-8876"/>
-                </a:stretch>
-              </a:blipFill>
-            </p:spPr>
-            <p:txBody>
-              <a:bodyPr/>
-              <a:lstStyle/>
-              <a:p>
-                <a:r>
-                  <a:rPr lang="en-US">
-                    <a:noFill/>
-                  </a:rPr>
-                  <a:t> </a:t>
-                </a:r>
-              </a:p>
-            </p:txBody>
-          </p:sp>
-        </mc:Fallback>
-      </mc:AlternateContent>
-      <p:sp>
-        <p:nvSpPr>
-          <p:cNvPr id="17" name="TextBox 16">
-            <a:extLst>
-              <a:ext uri="{FF2B5EF4-FFF2-40B4-BE49-F238E27FC236}">
-                <a16:creationId xmlns:a16="http://schemas.microsoft.com/office/drawing/2014/main" id="{1B857341-803B-5BBE-D778-F3D1A02BDF96}"/>
-              </a:ext>
-            </a:extLst>
-          </p:cNvPr>
-          <p:cNvSpPr txBox="1"/>
-          <p:nvPr/>
-        </p:nvSpPr>
+        </p:nvPicPr>
+        <p:blipFill>
+          <a:blip r:embed="rId6"/>
+          <a:stretch>
+            <a:fillRect/>
+          </a:stretch>
+        </p:blipFill>
         <p:spPr>
           <a:xfrm>
-            <a:off x="3458078" y="5731907"/>
-            <a:ext cx="362600" cy="461665"/>
+            <a:off x="144379" y="3935348"/>
+            <a:ext cx="6658239" cy="2922652"/>
           </a:xfrm>
           <a:prstGeom prst="rect">
             <a:avLst/>
           </a:prstGeom>
-          <a:noFill/>
         </p:spPr>
-        <p:txBody>
-          <a:bodyPr wrap="none" rtlCol="0">
-            <a:spAutoFit/>
-          </a:bodyPr>
-          <a:lstStyle/>
-          <a:p>
-            <a:r>
-              <a:rPr lang="en-US" sz="2400" dirty="0"/>
-              <a:t>A</a:t>
-            </a:r>
-          </a:p>
-        </p:txBody>
-      </p:sp>
-      <p:sp>
-        <p:nvSpPr>
-          <p:cNvPr id="18" name="TextBox 17">
-            <a:extLst>
-              <a:ext uri="{FF2B5EF4-FFF2-40B4-BE49-F238E27FC236}">
-                <a16:creationId xmlns:a16="http://schemas.microsoft.com/office/drawing/2014/main" id="{86C65CB2-357B-6E9E-4714-CA9EB55F8804}"/>
-              </a:ext>
-            </a:extLst>
-          </p:cNvPr>
-          <p:cNvSpPr txBox="1"/>
-          <p:nvPr/>
-        </p:nvSpPr>
-        <p:spPr>
-          <a:xfrm>
-            <a:off x="3767070" y="5715831"/>
-            <a:ext cx="351378" cy="461665"/>
-          </a:xfrm>
-          <a:prstGeom prst="rect">
-            <a:avLst/>
-          </a:prstGeom>
-          <a:noFill/>
-        </p:spPr>
-        <p:txBody>
-          <a:bodyPr wrap="none" rtlCol="0">
-            <a:spAutoFit/>
-          </a:bodyPr>
-          <a:lstStyle/>
-          <a:p>
-            <a:r>
-              <a:rPr lang="en-US" sz="2400" dirty="0"/>
-              <a:t>B</a:t>
-            </a:r>
-          </a:p>
-        </p:txBody>
-      </p:sp>
-      <p:sp>
-        <p:nvSpPr>
-          <p:cNvPr id="19" name="TextBox 18">
-            <a:extLst>
-              <a:ext uri="{FF2B5EF4-FFF2-40B4-BE49-F238E27FC236}">
-                <a16:creationId xmlns:a16="http://schemas.microsoft.com/office/drawing/2014/main" id="{35A03D42-979D-7445-4B9D-34E17B294C9A}"/>
-              </a:ext>
-            </a:extLst>
-          </p:cNvPr>
-          <p:cNvSpPr txBox="1"/>
-          <p:nvPr/>
-        </p:nvSpPr>
-        <p:spPr>
-          <a:xfrm>
-            <a:off x="4077173" y="5731905"/>
-            <a:ext cx="348172" cy="461665"/>
-          </a:xfrm>
-          <a:prstGeom prst="rect">
-            <a:avLst/>
-          </a:prstGeom>
-          <a:noFill/>
-        </p:spPr>
-        <p:txBody>
-          <a:bodyPr wrap="none" rtlCol="0">
-            <a:spAutoFit/>
-          </a:bodyPr>
-          <a:lstStyle/>
-          <a:p>
-            <a:r>
-              <a:rPr lang="en-US" sz="2400" dirty="0"/>
-              <a:t>C</a:t>
-            </a:r>
-          </a:p>
-        </p:txBody>
-      </p:sp>
-      <p:sp>
-        <p:nvSpPr>
-          <p:cNvPr id="20" name="TextBox 19">
-            <a:extLst>
-              <a:ext uri="{FF2B5EF4-FFF2-40B4-BE49-F238E27FC236}">
-                <a16:creationId xmlns:a16="http://schemas.microsoft.com/office/drawing/2014/main" id="{7194CE87-FEA4-C4EB-50A7-9BBF4CA6C073}"/>
-              </a:ext>
-            </a:extLst>
-          </p:cNvPr>
-          <p:cNvSpPr txBox="1"/>
-          <p:nvPr/>
-        </p:nvSpPr>
-        <p:spPr>
-          <a:xfrm>
-            <a:off x="4378040" y="5715829"/>
-            <a:ext cx="373820" cy="461665"/>
-          </a:xfrm>
-          <a:prstGeom prst="rect">
-            <a:avLst/>
-          </a:prstGeom>
-          <a:noFill/>
-        </p:spPr>
-        <p:txBody>
-          <a:bodyPr wrap="none" rtlCol="0">
-            <a:spAutoFit/>
-          </a:bodyPr>
-          <a:lstStyle/>
-          <a:p>
-            <a:r>
-              <a:rPr lang="en-US" sz="2400" dirty="0"/>
-              <a:t>D</a:t>
-            </a:r>
-          </a:p>
-        </p:txBody>
-      </p:sp>
-      <p:sp>
-        <p:nvSpPr>
-          <p:cNvPr id="21" name="TextBox 20">
-            <a:extLst>
-              <a:ext uri="{FF2B5EF4-FFF2-40B4-BE49-F238E27FC236}">
-                <a16:creationId xmlns:a16="http://schemas.microsoft.com/office/drawing/2014/main" id="{0C9284DA-5D0A-E487-DABF-7FA555E8092B}"/>
-              </a:ext>
-            </a:extLst>
-          </p:cNvPr>
-          <p:cNvSpPr txBox="1"/>
-          <p:nvPr/>
-        </p:nvSpPr>
-        <p:spPr>
-          <a:xfrm>
-            <a:off x="2516622" y="5730683"/>
-            <a:ext cx="335348" cy="461665"/>
-          </a:xfrm>
-          <a:prstGeom prst="rect">
-            <a:avLst/>
-          </a:prstGeom>
-          <a:noFill/>
-        </p:spPr>
-        <p:txBody>
-          <a:bodyPr wrap="none" rtlCol="0">
-            <a:spAutoFit/>
-          </a:bodyPr>
-          <a:lstStyle/>
-          <a:p>
-            <a:r>
-              <a:rPr lang="en-US" sz="2400" dirty="0"/>
-              <a:t>E</a:t>
-            </a:r>
-          </a:p>
-        </p:txBody>
-      </p:sp>
-      <p:sp>
-        <p:nvSpPr>
-          <p:cNvPr id="22" name="TextBox 21">
-            <a:extLst>
-              <a:ext uri="{FF2B5EF4-FFF2-40B4-BE49-F238E27FC236}">
-                <a16:creationId xmlns:a16="http://schemas.microsoft.com/office/drawing/2014/main" id="{7066714F-2C79-CC94-061C-2A3A8DF3FC7C}"/>
-              </a:ext>
-            </a:extLst>
-          </p:cNvPr>
-          <p:cNvSpPr txBox="1"/>
-          <p:nvPr/>
-        </p:nvSpPr>
-        <p:spPr>
-          <a:xfrm>
-            <a:off x="5033548" y="5712134"/>
-            <a:ext cx="279362" cy="479883"/>
-          </a:xfrm>
-          <a:prstGeom prst="rect">
-            <a:avLst/>
-          </a:prstGeom>
-          <a:noFill/>
-        </p:spPr>
-        <p:txBody>
-          <a:bodyPr wrap="square" rtlCol="0">
-            <a:spAutoFit/>
-          </a:bodyPr>
-          <a:lstStyle/>
-          <a:p>
-            <a:r>
-              <a:rPr lang="en-US" sz="2400" dirty="0"/>
-              <a:t>F</a:t>
-            </a:r>
-          </a:p>
-        </p:txBody>
-      </p:sp>
-      <p:sp>
-        <p:nvSpPr>
-          <p:cNvPr id="24" name="TextBox 23">
-            <a:extLst>
-              <a:ext uri="{FF2B5EF4-FFF2-40B4-BE49-F238E27FC236}">
-                <a16:creationId xmlns:a16="http://schemas.microsoft.com/office/drawing/2014/main" id="{A7EB4348-DE9B-2716-0BAF-2244D411F529}"/>
-              </a:ext>
-            </a:extLst>
-          </p:cNvPr>
-          <p:cNvSpPr txBox="1"/>
-          <p:nvPr/>
-        </p:nvSpPr>
-        <p:spPr>
-          <a:xfrm>
-            <a:off x="1290514" y="5731908"/>
-            <a:ext cx="271786" cy="461665"/>
-          </a:xfrm>
-          <a:prstGeom prst="rect">
-            <a:avLst/>
-          </a:prstGeom>
-          <a:noFill/>
-        </p:spPr>
-        <p:txBody>
-          <a:bodyPr wrap="square" rtlCol="0">
-            <a:spAutoFit/>
-          </a:bodyPr>
-          <a:lstStyle/>
-          <a:p>
-            <a:r>
-              <a:rPr lang="en-US" sz="2400" dirty="0"/>
-              <a:t>A</a:t>
-            </a:r>
-          </a:p>
-        </p:txBody>
-      </p:sp>
-      <p:sp>
-        <p:nvSpPr>
-          <p:cNvPr id="25" name="TextBox 24">
-            <a:extLst>
-              <a:ext uri="{FF2B5EF4-FFF2-40B4-BE49-F238E27FC236}">
-                <a16:creationId xmlns:a16="http://schemas.microsoft.com/office/drawing/2014/main" id="{A838012A-21F7-0BC8-6790-F57F5AE4EF8B}"/>
-              </a:ext>
-            </a:extLst>
-          </p:cNvPr>
-          <p:cNvSpPr txBox="1"/>
-          <p:nvPr/>
-        </p:nvSpPr>
-        <p:spPr>
-          <a:xfrm>
-            <a:off x="1614796" y="5731906"/>
-            <a:ext cx="351378" cy="461665"/>
-          </a:xfrm>
-          <a:prstGeom prst="rect">
-            <a:avLst/>
-          </a:prstGeom>
-          <a:noFill/>
-        </p:spPr>
-        <p:txBody>
-          <a:bodyPr wrap="none" rtlCol="0">
-            <a:spAutoFit/>
-          </a:bodyPr>
-          <a:lstStyle/>
-          <a:p>
-            <a:r>
-              <a:rPr lang="en-US" sz="2400" dirty="0"/>
-              <a:t>B</a:t>
-            </a:r>
-          </a:p>
-        </p:txBody>
-      </p:sp>
-      <p:sp>
-        <p:nvSpPr>
-          <p:cNvPr id="26" name="TextBox 25">
-            <a:extLst>
-              <a:ext uri="{FF2B5EF4-FFF2-40B4-BE49-F238E27FC236}">
-                <a16:creationId xmlns:a16="http://schemas.microsoft.com/office/drawing/2014/main" id="{3CC0BFE2-7ACE-CE9C-EB0A-1FA08AD76011}"/>
-              </a:ext>
-            </a:extLst>
-          </p:cNvPr>
-          <p:cNvSpPr txBox="1"/>
-          <p:nvPr/>
-        </p:nvSpPr>
-        <p:spPr>
-          <a:xfrm>
-            <a:off x="1892922" y="5715830"/>
-            <a:ext cx="348172" cy="461665"/>
-          </a:xfrm>
-          <a:prstGeom prst="rect">
-            <a:avLst/>
-          </a:prstGeom>
-          <a:noFill/>
-        </p:spPr>
-        <p:txBody>
-          <a:bodyPr wrap="none" rtlCol="0">
-            <a:spAutoFit/>
-          </a:bodyPr>
-          <a:lstStyle/>
-          <a:p>
-            <a:r>
-              <a:rPr lang="en-US" sz="2400" dirty="0"/>
-              <a:t>C</a:t>
-            </a:r>
-          </a:p>
-        </p:txBody>
-      </p:sp>
-      <p:sp>
-        <p:nvSpPr>
-          <p:cNvPr id="27" name="TextBox 26">
-            <a:extLst>
-              <a:ext uri="{FF2B5EF4-FFF2-40B4-BE49-F238E27FC236}">
-                <a16:creationId xmlns:a16="http://schemas.microsoft.com/office/drawing/2014/main" id="{9E13F3C9-723A-65EF-F1D1-965A91D69998}"/>
-              </a:ext>
-            </a:extLst>
-          </p:cNvPr>
-          <p:cNvSpPr txBox="1"/>
-          <p:nvPr/>
-        </p:nvSpPr>
-        <p:spPr>
-          <a:xfrm>
-            <a:off x="2216377" y="5730684"/>
-            <a:ext cx="373820" cy="461665"/>
-          </a:xfrm>
-          <a:prstGeom prst="rect">
-            <a:avLst/>
-          </a:prstGeom>
-          <a:noFill/>
-        </p:spPr>
-        <p:txBody>
-          <a:bodyPr wrap="none" rtlCol="0">
-            <a:spAutoFit/>
-          </a:bodyPr>
-          <a:lstStyle/>
-          <a:p>
-            <a:r>
-              <a:rPr lang="en-US" sz="2400" dirty="0"/>
-              <a:t>D</a:t>
-            </a:r>
-          </a:p>
-        </p:txBody>
-      </p:sp>
-      <p:sp>
-        <p:nvSpPr>
-          <p:cNvPr id="28" name="TextBox 27">
-            <a:extLst>
-              <a:ext uri="{FF2B5EF4-FFF2-40B4-BE49-F238E27FC236}">
-                <a16:creationId xmlns:a16="http://schemas.microsoft.com/office/drawing/2014/main" id="{A702B546-6B97-FC80-A36D-A1C29CFBE481}"/>
-              </a:ext>
-            </a:extLst>
-          </p:cNvPr>
-          <p:cNvSpPr txBox="1"/>
-          <p:nvPr/>
-        </p:nvSpPr>
-        <p:spPr>
-          <a:xfrm>
-            <a:off x="4721672" y="5712134"/>
-            <a:ext cx="335348" cy="461665"/>
-          </a:xfrm>
-          <a:prstGeom prst="rect">
-            <a:avLst/>
-          </a:prstGeom>
-          <a:noFill/>
-        </p:spPr>
-        <p:txBody>
-          <a:bodyPr wrap="none" rtlCol="0">
-            <a:spAutoFit/>
-          </a:bodyPr>
-          <a:lstStyle/>
-          <a:p>
-            <a:r>
-              <a:rPr lang="en-US" sz="2400" dirty="0"/>
-              <a:t>E</a:t>
-            </a:r>
-          </a:p>
-        </p:txBody>
-      </p:sp>
-      <p:sp>
-        <p:nvSpPr>
-          <p:cNvPr id="30" name="TextBox 29">
-            <a:extLst>
-              <a:ext uri="{FF2B5EF4-FFF2-40B4-BE49-F238E27FC236}">
-                <a16:creationId xmlns:a16="http://schemas.microsoft.com/office/drawing/2014/main" id="{B60762E9-06E8-2C78-D235-AFBB64175448}"/>
-              </a:ext>
-            </a:extLst>
-          </p:cNvPr>
-          <p:cNvSpPr txBox="1"/>
-          <p:nvPr/>
-        </p:nvSpPr>
-        <p:spPr>
-          <a:xfrm>
-            <a:off x="2868973" y="5730682"/>
-            <a:ext cx="325730" cy="461665"/>
-          </a:xfrm>
-          <a:prstGeom prst="rect">
-            <a:avLst/>
-          </a:prstGeom>
-          <a:noFill/>
-        </p:spPr>
-        <p:txBody>
-          <a:bodyPr wrap="none" rtlCol="0">
-            <a:spAutoFit/>
-          </a:bodyPr>
-          <a:lstStyle/>
-          <a:p>
-            <a:r>
-              <a:rPr lang="en-US" sz="2400" dirty="0"/>
-              <a:t>F</a:t>
-            </a:r>
-          </a:p>
-        </p:txBody>
-      </p:sp>
+      </p:pic>
     </p:spTree>
     <p:extLst>
       <p:ext uri="{BB962C8B-B14F-4D97-AF65-F5344CB8AC3E}">
@@ -43860,7 +42746,7 @@
             <p:ph idx="1"/>
             <p:extLst>
               <p:ext uri="{D42A27DB-BD31-4B8C-83A1-F6EECF244321}">
-                <p14:modId xmlns:p14="http://schemas.microsoft.com/office/powerpoint/2010/main" val="1654110"/>
+                <p14:modId xmlns:p14="http://schemas.microsoft.com/office/powerpoint/2010/main" val="3975418094"/>
               </p:ext>
             </p:extLst>
           </p:nvPr>
